--- a/batch1/ppt/HOAPITAL APPOINTMENT SYSTEM 2-1.pptx
+++ b/batch1/ppt/HOAPITAL APPOINTMENT SYSTEM 2-1.pptx
@@ -128,7 +128,7 @@
   </p:defaultTextStyle>
   <p:extLst>
     <p:ext uri="{EFAFB233-063F-42B5-8137-9DF3F51BA10A}">
-      <p15:sldGuideLst xmlns:p15="http://schemas.microsoft.com/office/powerpoint/2012/main"/>
+      <p15:sldGuideLst xmlns:p15="http://schemas.microsoft.com/office/powerpoint/2012/main" xmlns=""/>
     </p:ext>
   </p:extLst>
 </p:presentation>
@@ -543,7 +543,7 @@
           <a:p>
             <a:fld id="{1C6E12D2-DA3A-480B-BCDF-BFB6C7EBE402}" type="datetimeFigureOut">
               <a:rPr lang="en-US" smtClean="0"/>
-              <a:t>3/12/2023</a:t>
+              <a:t>3/26/2023</a:t>
             </a:fld>
             <a:endParaRPr lang="en-US"/>
           </a:p>
@@ -717,7 +717,7 @@
           <a:p>
             <a:fld id="{1C6E12D2-DA3A-480B-BCDF-BFB6C7EBE402}" type="datetimeFigureOut">
               <a:rPr lang="en-US" smtClean="0"/>
-              <a:t>3/12/2023</a:t>
+              <a:t>3/26/2023</a:t>
             </a:fld>
             <a:endParaRPr lang="en-US"/>
           </a:p>
@@ -892,7 +892,7 @@
           <a:p>
             <a:fld id="{1C6E12D2-DA3A-480B-BCDF-BFB6C7EBE402}" type="datetimeFigureOut">
               <a:rPr lang="en-US" smtClean="0"/>
-              <a:t>3/12/2023</a:t>
+              <a:t>3/26/2023</a:t>
             </a:fld>
             <a:endParaRPr lang="en-US"/>
           </a:p>
@@ -1057,7 +1057,7 @@
           <a:p>
             <a:fld id="{1C6E12D2-DA3A-480B-BCDF-BFB6C7EBE402}" type="datetimeFigureOut">
               <a:rPr lang="en-US" smtClean="0"/>
-              <a:t>3/12/2023</a:t>
+              <a:t>3/26/2023</a:t>
             </a:fld>
             <a:endParaRPr lang="en-US"/>
           </a:p>
@@ -1365,7 +1365,7 @@
           <a:p>
             <a:fld id="{1C6E12D2-DA3A-480B-BCDF-BFB6C7EBE402}" type="datetimeFigureOut">
               <a:rPr lang="en-US" smtClean="0"/>
-              <a:t>3/12/2023</a:t>
+              <a:t>3/26/2023</a:t>
             </a:fld>
             <a:endParaRPr lang="en-US"/>
           </a:p>
@@ -1746,7 +1746,7 @@
           <a:p>
             <a:fld id="{1C6E12D2-DA3A-480B-BCDF-BFB6C7EBE402}" type="datetimeFigureOut">
               <a:rPr lang="en-US" smtClean="0"/>
-              <a:t>3/12/2023</a:t>
+              <a:t>3/26/2023</a:t>
             </a:fld>
             <a:endParaRPr lang="en-US"/>
           </a:p>
@@ -2175,7 +2175,7 @@
           <a:p>
             <a:fld id="{1C6E12D2-DA3A-480B-BCDF-BFB6C7EBE402}" type="datetimeFigureOut">
               <a:rPr lang="en-US" smtClean="0"/>
-              <a:t>3/12/2023</a:t>
+              <a:t>3/26/2023</a:t>
             </a:fld>
             <a:endParaRPr lang="en-US"/>
           </a:p>
@@ -2288,7 +2288,7 @@
           <a:p>
             <a:fld id="{1C6E12D2-DA3A-480B-BCDF-BFB6C7EBE402}" type="datetimeFigureOut">
               <a:rPr lang="en-US" smtClean="0"/>
-              <a:t>3/12/2023</a:t>
+              <a:t>3/26/2023</a:t>
             </a:fld>
             <a:endParaRPr lang="en-US"/>
           </a:p>
@@ -2378,7 +2378,7 @@
           <a:p>
             <a:fld id="{1C6E12D2-DA3A-480B-BCDF-BFB6C7EBE402}" type="datetimeFigureOut">
               <a:rPr lang="en-US" smtClean="0"/>
-              <a:t>3/12/2023</a:t>
+              <a:t>3/26/2023</a:t>
             </a:fld>
             <a:endParaRPr lang="en-US"/>
           </a:p>
@@ -2723,7 +2723,7 @@
           <a:p>
             <a:fld id="{1C6E12D2-DA3A-480B-BCDF-BFB6C7EBE402}" type="datetimeFigureOut">
               <a:rPr lang="en-US" smtClean="0"/>
-              <a:t>3/12/2023</a:t>
+              <a:t>3/26/2023</a:t>
             </a:fld>
             <a:endParaRPr lang="en-US"/>
           </a:p>
@@ -3143,7 +3143,7 @@
           <a:p>
             <a:fld id="{1C6E12D2-DA3A-480B-BCDF-BFB6C7EBE402}" type="datetimeFigureOut">
               <a:rPr lang="en-US" smtClean="0"/>
-              <a:t>3/12/2023</a:t>
+              <a:t>3/26/2023</a:t>
             </a:fld>
             <a:endParaRPr lang="en-US"/>
           </a:p>
@@ -3419,7 +3419,7 @@
           <a:p>
             <a:fld id="{1C6E12D2-DA3A-480B-BCDF-BFB6C7EBE402}" type="datetimeFigureOut">
               <a:rPr lang="en-US" smtClean="0"/>
-              <a:t>3/12/2023</a:t>
+              <a:t>3/26/2023</a:t>
             </a:fld>
             <a:endParaRPr lang="en-US"/>
           </a:p>
@@ -4353,7 +4353,7 @@
           <p:cNvPr id="41" name="Content Placeholder 40">
             <a:extLst>
               <a:ext uri="{FF2B5EF4-FFF2-40B4-BE49-F238E27FC236}">
-                <a16:creationId xmlns:a16="http://schemas.microsoft.com/office/drawing/2014/main" id="{63317F15-DAF0-2A89-06E0-B0A44BC9E739}"/>
+                <a16:creationId xmlns:a16="http://schemas.microsoft.com/office/drawing/2014/main" xmlns="" id="{63317F15-DAF0-2A89-06E0-B0A44BC9E739}"/>
               </a:ext>
             </a:extLst>
           </p:cNvPr>
@@ -4466,28 +4466,28 @@
                 <a:gridCol w="1466533">
                   <a:extLst>
                     <a:ext uri="{9D8B030D-6E8A-4147-A177-3AD203B41FA5}">
-                      <a16:colId xmlns:a16="http://schemas.microsoft.com/office/drawing/2014/main" val="20000"/>
+                      <a16:colId xmlns:a16="http://schemas.microsoft.com/office/drawing/2014/main" xmlns="" val="20000"/>
                     </a:ext>
                   </a:extLst>
                 </a:gridCol>
                 <a:gridCol w="1466533">
                   <a:extLst>
                     <a:ext uri="{9D8B030D-6E8A-4147-A177-3AD203B41FA5}">
-                      <a16:colId xmlns:a16="http://schemas.microsoft.com/office/drawing/2014/main" val="20001"/>
+                      <a16:colId xmlns:a16="http://schemas.microsoft.com/office/drawing/2014/main" xmlns="" val="20001"/>
                     </a:ext>
                   </a:extLst>
                 </a:gridCol>
                 <a:gridCol w="1467167">
                   <a:extLst>
                     <a:ext uri="{9D8B030D-6E8A-4147-A177-3AD203B41FA5}">
-                      <a16:colId xmlns:a16="http://schemas.microsoft.com/office/drawing/2014/main" val="20002"/>
+                      <a16:colId xmlns:a16="http://schemas.microsoft.com/office/drawing/2014/main" xmlns="" val="20002"/>
                     </a:ext>
                   </a:extLst>
                 </a:gridCol>
                 <a:gridCol w="1467167">
                   <a:extLst>
                     <a:ext uri="{9D8B030D-6E8A-4147-A177-3AD203B41FA5}">
-                      <a16:colId xmlns:a16="http://schemas.microsoft.com/office/drawing/2014/main" val="20003"/>
+                      <a16:colId xmlns:a16="http://schemas.microsoft.com/office/drawing/2014/main" xmlns="" val="20003"/>
                     </a:ext>
                   </a:extLst>
                 </a:gridCol>
@@ -4591,7 +4591,7 @@
                 </a:tc>
                 <a:extLst>
                   <a:ext uri="{0D108BD9-81ED-4DB2-BD59-A6C34878D82A}">
-                    <a16:rowId xmlns:a16="http://schemas.microsoft.com/office/drawing/2014/main" val="10000"/>
+                    <a16:rowId xmlns:a16="http://schemas.microsoft.com/office/drawing/2014/main" xmlns="" val="10000"/>
                   </a:ext>
                 </a:extLst>
               </a:tr>
@@ -4701,7 +4701,7 @@
                 </a:tc>
                 <a:extLst>
                   <a:ext uri="{0D108BD9-81ED-4DB2-BD59-A6C34878D82A}">
-                    <a16:rowId xmlns:a16="http://schemas.microsoft.com/office/drawing/2014/main" val="10001"/>
+                    <a16:rowId xmlns:a16="http://schemas.microsoft.com/office/drawing/2014/main" xmlns="" val="10001"/>
                   </a:ext>
                 </a:extLst>
               </a:tr>
@@ -4800,7 +4800,7 @@
                 </a:tc>
                 <a:extLst>
                   <a:ext uri="{0D108BD9-81ED-4DB2-BD59-A6C34878D82A}">
-                    <a16:rowId xmlns:a16="http://schemas.microsoft.com/office/drawing/2014/main" val="10002"/>
+                    <a16:rowId xmlns:a16="http://schemas.microsoft.com/office/drawing/2014/main" xmlns="" val="10002"/>
                   </a:ext>
                 </a:extLst>
               </a:tr>
@@ -4899,7 +4899,7 @@
                 </a:tc>
                 <a:extLst>
                   <a:ext uri="{0D108BD9-81ED-4DB2-BD59-A6C34878D82A}">
-                    <a16:rowId xmlns:a16="http://schemas.microsoft.com/office/drawing/2014/main" val="10003"/>
+                    <a16:rowId xmlns:a16="http://schemas.microsoft.com/office/drawing/2014/main" xmlns="" val="10003"/>
                   </a:ext>
                 </a:extLst>
               </a:tr>
@@ -4983,28 +4983,28 @@
                 <a:gridCol w="1466533">
                   <a:extLst>
                     <a:ext uri="{9D8B030D-6E8A-4147-A177-3AD203B41FA5}">
-                      <a16:colId xmlns:a16="http://schemas.microsoft.com/office/drawing/2014/main" val="20000"/>
+                      <a16:colId xmlns:a16="http://schemas.microsoft.com/office/drawing/2014/main" xmlns="" val="20000"/>
                     </a:ext>
                   </a:extLst>
                 </a:gridCol>
                 <a:gridCol w="1466533">
                   <a:extLst>
                     <a:ext uri="{9D8B030D-6E8A-4147-A177-3AD203B41FA5}">
-                      <a16:colId xmlns:a16="http://schemas.microsoft.com/office/drawing/2014/main" val="20001"/>
+                      <a16:colId xmlns:a16="http://schemas.microsoft.com/office/drawing/2014/main" xmlns="" val="20001"/>
                     </a:ext>
                   </a:extLst>
                 </a:gridCol>
                 <a:gridCol w="1467167">
                   <a:extLst>
                     <a:ext uri="{9D8B030D-6E8A-4147-A177-3AD203B41FA5}">
-                      <a16:colId xmlns:a16="http://schemas.microsoft.com/office/drawing/2014/main" val="20002"/>
+                      <a16:colId xmlns:a16="http://schemas.microsoft.com/office/drawing/2014/main" xmlns="" val="20002"/>
                     </a:ext>
                   </a:extLst>
                 </a:gridCol>
                 <a:gridCol w="1467167">
                   <a:extLst>
                     <a:ext uri="{9D8B030D-6E8A-4147-A177-3AD203B41FA5}">
-                      <a16:colId xmlns:a16="http://schemas.microsoft.com/office/drawing/2014/main" val="20003"/>
+                      <a16:colId xmlns:a16="http://schemas.microsoft.com/office/drawing/2014/main" xmlns="" val="20003"/>
                     </a:ext>
                   </a:extLst>
                 </a:gridCol>
@@ -5019,11 +5019,35 @@
                         <a:buNone/>
                       </a:pPr>
                       <a:r>
+                        <a:rPr lang="en-US" sz="1200" b="1" dirty="0">
+                          <a:latin typeface="Times New Roman" panose="02020603050405020304" pitchFamily="18" charset="0"/>
+                          <a:cs typeface="Times New Roman" panose="02020603050405020304" pitchFamily="18" charset="0"/>
+                        </a:rPr>
+                        <a:t>FIELD </a:t>
+                      </a:r>
+                      <a:endParaRPr lang="en-US" sz="1200" b="1" dirty="0">
+                        <a:latin typeface="Times New Roman" panose="02020603050405020304" pitchFamily="18" charset="0"/>
+                        <a:ea typeface="Times New Roman" panose="02020603050405020304" pitchFamily="18" charset="0"/>
+                        <a:cs typeface="Times New Roman" panose="02020603050405020304" pitchFamily="18" charset="0"/>
+                      </a:endParaRPr>
+                    </a:p>
+                  </a:txBody>
+                  <a:tcPr marL="68580" marR="68580" marT="0" marB="0"/>
+                </a:tc>
+                <a:tc>
+                  <a:txBody>
+                    <a:bodyPr/>
+                    <a:lstStyle/>
+                    <a:p>
+                      <a:pPr indent="0">
+                        <a:buNone/>
+                      </a:pPr>
+                      <a:r>
                         <a:rPr lang="en-US" sz="1200" b="1">
                           <a:latin typeface="Times New Roman" panose="02020603050405020304" pitchFamily="18" charset="0"/>
                           <a:cs typeface="Times New Roman" panose="02020603050405020304" pitchFamily="18" charset="0"/>
                         </a:rPr>
-                        <a:t>FIELD </a:t>
+                        <a:t>DATA TYPE</a:t>
                       </a:r>
                       <a:endParaRPr lang="en-US" sz="1200" b="1">
                         <a:latin typeface="Times New Roman" panose="02020603050405020304" pitchFamily="18" charset="0"/>
@@ -5047,7 +5071,7 @@
                           <a:latin typeface="Times New Roman" panose="02020603050405020304" pitchFamily="18" charset="0"/>
                           <a:cs typeface="Times New Roman" panose="02020603050405020304" pitchFamily="18" charset="0"/>
                         </a:rPr>
-                        <a:t>DATA TYPE</a:t>
+                        <a:t>SIZE</a:t>
                       </a:r>
                       <a:endParaRPr lang="en-US" sz="1200" b="1">
                         <a:latin typeface="Times New Roman" panose="02020603050405020304" pitchFamily="18" charset="0"/>
@@ -5071,7 +5095,7 @@
                           <a:latin typeface="Times New Roman" panose="02020603050405020304" pitchFamily="18" charset="0"/>
                           <a:cs typeface="Times New Roman" panose="02020603050405020304" pitchFamily="18" charset="0"/>
                         </a:rPr>
-                        <a:t>SIZE</a:t>
+                        <a:t>CONSTRAINT</a:t>
                       </a:r>
                       <a:endParaRPr lang="en-US" sz="1200" b="1">
                         <a:latin typeface="Times New Roman" panose="02020603050405020304" pitchFamily="18" charset="0"/>
@@ -5082,22 +5106,36 @@
                   </a:txBody>
                   <a:tcPr marL="68580" marR="68580" marT="0" marB="0"/>
                 </a:tc>
-                <a:tc>
-                  <a:txBody>
-                    <a:bodyPr/>
-                    <a:lstStyle/>
-                    <a:p>
-                      <a:pPr indent="0">
-                        <a:buNone/>
-                      </a:pPr>
-                      <a:r>
-                        <a:rPr lang="en-US" sz="1200" b="1">
-                          <a:latin typeface="Times New Roman" panose="02020603050405020304" pitchFamily="18" charset="0"/>
-                          <a:cs typeface="Times New Roman" panose="02020603050405020304" pitchFamily="18" charset="0"/>
-                        </a:rPr>
-                        <a:t>CONSTRAINT</a:t>
-                      </a:r>
-                      <a:endParaRPr lang="en-US" sz="1200" b="1">
+                <a:extLst>
+                  <a:ext uri="{0D108BD9-81ED-4DB2-BD59-A6C34878D82A}">
+                    <a16:rowId xmlns:a16="http://schemas.microsoft.com/office/drawing/2014/main" xmlns="" val="10000"/>
+                  </a:ext>
+                </a:extLst>
+              </a:tr>
+              <a:tr h="380579">
+                <a:tc>
+                  <a:txBody>
+                    <a:bodyPr/>
+                    <a:lstStyle/>
+                    <a:p>
+                      <a:pPr indent="0">
+                        <a:buNone/>
+                      </a:pPr>
+                      <a:r>
+                        <a:rPr lang="en-IN" altLang="en-US" sz="1200" b="0" dirty="0">
+                          <a:latin typeface="Times New Roman" panose="02020603050405020304" pitchFamily="18" charset="0"/>
+                          <a:cs typeface="Times New Roman" panose="02020603050405020304" pitchFamily="18" charset="0"/>
+                        </a:rPr>
+                        <a:t>patient </a:t>
+                      </a:r>
+                      <a:r>
+                        <a:rPr lang="en-US" sz="1200" b="0" dirty="0">
+                          <a:latin typeface="Times New Roman" panose="02020603050405020304" pitchFamily="18" charset="0"/>
+                          <a:cs typeface="Times New Roman" panose="02020603050405020304" pitchFamily="18" charset="0"/>
+                        </a:rPr>
+                        <a:t>id</a:t>
+                      </a:r>
+                      <a:endParaRPr lang="en-US" sz="1200" b="0" dirty="0">
                         <a:latin typeface="Times New Roman" panose="02020603050405020304" pitchFamily="18" charset="0"/>
                         <a:ea typeface="Times New Roman" panose="02020603050405020304" pitchFamily="18" charset="0"/>
                         <a:cs typeface="Times New Roman" panose="02020603050405020304" pitchFamily="18" charset="0"/>
@@ -5106,34 +5144,20 @@
                   </a:txBody>
                   <a:tcPr marL="68580" marR="68580" marT="0" marB="0"/>
                 </a:tc>
-                <a:extLst>
-                  <a:ext uri="{0D108BD9-81ED-4DB2-BD59-A6C34878D82A}">
-                    <a16:rowId xmlns:a16="http://schemas.microsoft.com/office/drawing/2014/main" val="10000"/>
-                  </a:ext>
-                </a:extLst>
-              </a:tr>
-              <a:tr h="380579">
-                <a:tc>
-                  <a:txBody>
-                    <a:bodyPr/>
-                    <a:lstStyle/>
-                    <a:p>
-                      <a:pPr indent="0">
-                        <a:buNone/>
-                      </a:pPr>
-                      <a:r>
-                        <a:rPr lang="en-IN" altLang="en-US" sz="1200" b="0">
-                          <a:latin typeface="Times New Roman" panose="02020603050405020304" pitchFamily="18" charset="0"/>
-                          <a:cs typeface="Times New Roman" panose="02020603050405020304" pitchFamily="18" charset="0"/>
-                        </a:rPr>
-                        <a:t>patient </a:t>
-                      </a:r>
+                <a:tc>
+                  <a:txBody>
+                    <a:bodyPr/>
+                    <a:lstStyle/>
+                    <a:p>
+                      <a:pPr indent="0">
+                        <a:buNone/>
+                      </a:pPr>
                       <a:r>
                         <a:rPr lang="en-US" sz="1200" b="0">
                           <a:latin typeface="Times New Roman" panose="02020603050405020304" pitchFamily="18" charset="0"/>
                           <a:cs typeface="Times New Roman" panose="02020603050405020304" pitchFamily="18" charset="0"/>
                         </a:rPr>
-                        <a:t>id</a:t>
+                        <a:t>Int</a:t>
                       </a:r>
                       <a:endParaRPr lang="en-US" sz="1200" b="0">
                         <a:latin typeface="Times New Roman" panose="02020603050405020304" pitchFamily="18" charset="0"/>
@@ -5157,7 +5181,7 @@
                           <a:latin typeface="Times New Roman" panose="02020603050405020304" pitchFamily="18" charset="0"/>
                           <a:cs typeface="Times New Roman" panose="02020603050405020304" pitchFamily="18" charset="0"/>
                         </a:rPr>
-                        <a:t>Int</a:t>
+                        <a:t>10</a:t>
                       </a:r>
                       <a:endParaRPr lang="en-US" sz="1200" b="0">
                         <a:latin typeface="Times New Roman" panose="02020603050405020304" pitchFamily="18" charset="0"/>
@@ -5181,7 +5205,7 @@
                           <a:latin typeface="Times New Roman" panose="02020603050405020304" pitchFamily="18" charset="0"/>
                           <a:cs typeface="Times New Roman" panose="02020603050405020304" pitchFamily="18" charset="0"/>
                         </a:rPr>
-                        <a:t>10</a:t>
+                        <a:t>Primary key</a:t>
                       </a:r>
                       <a:endParaRPr lang="en-US" sz="1200" b="0">
                         <a:latin typeface="Times New Roman" panose="02020603050405020304" pitchFamily="18" charset="0"/>
@@ -5192,6 +5216,82 @@
                   </a:txBody>
                   <a:tcPr marL="68580" marR="68580" marT="0" marB="0"/>
                 </a:tc>
+                <a:extLst>
+                  <a:ext uri="{0D108BD9-81ED-4DB2-BD59-A6C34878D82A}">
+                    <a16:rowId xmlns:a16="http://schemas.microsoft.com/office/drawing/2014/main" xmlns="" val="10001"/>
+                  </a:ext>
+                </a:extLst>
+              </a:tr>
+              <a:tr h="380579">
+                <a:tc>
+                  <a:txBody>
+                    <a:bodyPr/>
+                    <a:lstStyle/>
+                    <a:p>
+                      <a:pPr indent="0">
+                        <a:buNone/>
+                      </a:pPr>
+                      <a:r>
+                        <a:rPr lang="en-IN" altLang="en-US" sz="1200" b="0" dirty="0" err="1">
+                          <a:latin typeface="Times New Roman" panose="02020603050405020304" pitchFamily="18" charset="0"/>
+                          <a:cs typeface="Times New Roman" panose="02020603050405020304" pitchFamily="18" charset="0"/>
+                        </a:rPr>
+                        <a:t>firstname</a:t>
+                      </a:r>
+                      <a:endParaRPr lang="en-IN" altLang="en-US" sz="1200" b="0" dirty="0">
+                        <a:latin typeface="Times New Roman" panose="02020603050405020304" pitchFamily="18" charset="0"/>
+                        <a:ea typeface="Times New Roman" panose="02020603050405020304" pitchFamily="18" charset="0"/>
+                        <a:cs typeface="Times New Roman" panose="02020603050405020304" pitchFamily="18" charset="0"/>
+                      </a:endParaRPr>
+                    </a:p>
+                  </a:txBody>
+                  <a:tcPr marL="68580" marR="68580" marT="0" marB="0"/>
+                </a:tc>
+                <a:tc>
+                  <a:txBody>
+                    <a:bodyPr/>
+                    <a:lstStyle/>
+                    <a:p>
+                      <a:pPr indent="0">
+                        <a:buNone/>
+                      </a:pPr>
+                      <a:r>
+                        <a:rPr lang="en-IN" sz="1200" b="0" dirty="0" err="1">
+                          <a:latin typeface="Times New Roman" panose="02020603050405020304" pitchFamily="18" charset="0"/>
+                          <a:ea typeface="Times New Roman" panose="02020603050405020304" pitchFamily="18" charset="0"/>
+                          <a:cs typeface="Times New Roman" panose="02020603050405020304" pitchFamily="18" charset="0"/>
+                        </a:rPr>
+                        <a:t>Varchar</a:t>
+                      </a:r>
+                      <a:endParaRPr lang="en-US" sz="1200" b="0" dirty="0">
+                        <a:latin typeface="Times New Roman" panose="02020603050405020304" pitchFamily="18" charset="0"/>
+                        <a:ea typeface="Times New Roman" panose="02020603050405020304" pitchFamily="18" charset="0"/>
+                        <a:cs typeface="Times New Roman" panose="02020603050405020304" pitchFamily="18" charset="0"/>
+                      </a:endParaRPr>
+                    </a:p>
+                  </a:txBody>
+                  <a:tcPr marL="68580" marR="68580" marT="0" marB="0"/>
+                </a:tc>
+                <a:tc>
+                  <a:txBody>
+                    <a:bodyPr/>
+                    <a:lstStyle/>
+                    <a:p>
+                      <a:pPr indent="0">
+                        <a:buNone/>
+                      </a:pPr>
+                      <a:r>
+                        <a:rPr lang="en-IN" altLang="en-US" sz="1200" b="0" dirty="0">
+                          <a:latin typeface="Times New Roman" panose="02020603050405020304" pitchFamily="18" charset="0"/>
+                          <a:ea typeface="Times New Roman" panose="02020603050405020304" pitchFamily="18" charset="0"/>
+                          <a:cs typeface="Times New Roman" panose="02020603050405020304" pitchFamily="18" charset="0"/>
+                        </a:rPr>
+                        <a:t>20</a:t>
+                      </a:r>
+                    </a:p>
+                  </a:txBody>
+                  <a:tcPr marL="68580" marR="68580" marT="0" marB="0"/>
+                </a:tc>
                 <a:tc>
                   <a:txBody>
                     <a:bodyPr/>
@@ -5205,7 +5305,7 @@
                           <a:latin typeface="Times New Roman" panose="02020603050405020304" pitchFamily="18" charset="0"/>
                           <a:cs typeface="Times New Roman" panose="02020603050405020304" pitchFamily="18" charset="0"/>
                         </a:rPr>
-                        <a:t>Primary key</a:t>
+                        <a:t>Not null</a:t>
                       </a:r>
                       <a:endParaRPr lang="en-US" sz="1200" b="0">
                         <a:latin typeface="Times New Roman" panose="02020603050405020304" pitchFamily="18" charset="0"/>
@@ -5218,7 +5318,7 @@
                 </a:tc>
                 <a:extLst>
                   <a:ext uri="{0D108BD9-81ED-4DB2-BD59-A6C34878D82A}">
-                    <a16:rowId xmlns:a16="http://schemas.microsoft.com/office/drawing/2014/main" val="10001"/>
+                    <a16:rowId xmlns:a16="http://schemas.microsoft.com/office/drawing/2014/main" xmlns="" val="10002"/>
                   </a:ext>
                 </a:extLst>
               </a:tr>
@@ -5236,7 +5336,7 @@
                           <a:latin typeface="Times New Roman" panose="02020603050405020304" pitchFamily="18" charset="0"/>
                           <a:cs typeface="Times New Roman" panose="02020603050405020304" pitchFamily="18" charset="0"/>
                         </a:rPr>
-                        <a:t>firstname</a:t>
+                        <a:t>last name</a:t>
                       </a:r>
                       <a:endParaRPr lang="en-IN" altLang="en-US" sz="1200" b="0">
                         <a:latin typeface="Times New Roman" panose="02020603050405020304" pitchFamily="18" charset="0"/>
@@ -5286,7 +5386,7 @@
                           <a:ea typeface="Times New Roman" panose="02020603050405020304" pitchFamily="18" charset="0"/>
                           <a:cs typeface="Times New Roman" panose="02020603050405020304" pitchFamily="18" charset="0"/>
                         </a:rPr>
-                        <a:t>20</a:t>
+                        <a:t>10</a:t>
                       </a:r>
                     </a:p>
                   </a:txBody>
@@ -5318,7 +5418,7 @@
                 </a:tc>
                 <a:extLst>
                   <a:ext uri="{0D108BD9-81ED-4DB2-BD59-A6C34878D82A}">
-                    <a16:rowId xmlns:a16="http://schemas.microsoft.com/office/drawing/2014/main" val="10002"/>
+                    <a16:rowId xmlns:a16="http://schemas.microsoft.com/office/drawing/2014/main" xmlns="" val="10003"/>
                   </a:ext>
                 </a:extLst>
               </a:tr>
@@ -5336,7 +5436,7 @@
                           <a:latin typeface="Times New Roman" panose="02020603050405020304" pitchFamily="18" charset="0"/>
                           <a:cs typeface="Times New Roman" panose="02020603050405020304" pitchFamily="18" charset="0"/>
                         </a:rPr>
-                        <a:t>last name</a:t>
+                        <a:t>Mobile</a:t>
                       </a:r>
                       <a:endParaRPr lang="en-IN" altLang="en-US" sz="1200" b="0">
                         <a:latin typeface="Times New Roman" panose="02020603050405020304" pitchFamily="18" charset="0"/>
@@ -5356,12 +5456,31 @@
                         <a:buNone/>
                       </a:pPr>
                       <a:r>
-                        <a:rPr lang="en-IN" sz="1200" b="0" dirty="0" err="1">
+                        <a:rPr lang="en-IN" altLang="en-US" sz="1200" b="0" dirty="0">
                           <a:latin typeface="Times New Roman" panose="02020603050405020304" pitchFamily="18" charset="0"/>
                           <a:ea typeface="Times New Roman" panose="02020603050405020304" pitchFamily="18" charset="0"/>
                           <a:cs typeface="Times New Roman" panose="02020603050405020304" pitchFamily="18" charset="0"/>
                         </a:rPr>
-                        <a:t>Varchar</a:t>
+                        <a:t>Number</a:t>
+                      </a:r>
+                    </a:p>
+                  </a:txBody>
+                  <a:tcPr marL="68580" marR="68580" marT="0" marB="0"/>
+                </a:tc>
+                <a:tc>
+                  <a:txBody>
+                    <a:bodyPr/>
+                    <a:lstStyle/>
+                    <a:p>
+                      <a:pPr indent="0">
+                        <a:buNone/>
+                      </a:pPr>
+                      <a:r>
+                        <a:rPr lang="en-US" sz="1200" b="0" dirty="0">
+                          <a:latin typeface="Times New Roman" panose="02020603050405020304" pitchFamily="18" charset="0"/>
+                          <a:cs typeface="Times New Roman" panose="02020603050405020304" pitchFamily="18" charset="0"/>
+                        </a:rPr>
+                        <a:t>10</a:t>
                       </a:r>
                       <a:endParaRPr lang="en-US" sz="1200" b="0" dirty="0">
                         <a:latin typeface="Times New Roman" panose="02020603050405020304" pitchFamily="18" charset="0"/>
@@ -5381,26 +5500,6 @@
                         <a:buNone/>
                       </a:pPr>
                       <a:r>
-                        <a:rPr lang="en-IN" altLang="en-US" sz="1200" b="0" dirty="0">
-                          <a:latin typeface="Times New Roman" panose="02020603050405020304" pitchFamily="18" charset="0"/>
-                          <a:ea typeface="Times New Roman" panose="02020603050405020304" pitchFamily="18" charset="0"/>
-                          <a:cs typeface="Times New Roman" panose="02020603050405020304" pitchFamily="18" charset="0"/>
-                        </a:rPr>
-                        <a:t>10</a:t>
-                      </a:r>
-                    </a:p>
-                  </a:txBody>
-                  <a:tcPr marL="68580" marR="68580" marT="0" marB="0"/>
-                </a:tc>
-                <a:tc>
-                  <a:txBody>
-                    <a:bodyPr/>
-                    <a:lstStyle/>
-                    <a:p>
-                      <a:pPr indent="0">
-                        <a:buNone/>
-                      </a:pPr>
-                      <a:r>
                         <a:rPr lang="en-US" sz="1200" b="0">
                           <a:latin typeface="Times New Roman" panose="02020603050405020304" pitchFamily="18" charset="0"/>
                           <a:cs typeface="Times New Roman" panose="02020603050405020304" pitchFamily="18" charset="0"/>
@@ -5418,7 +5517,7 @@
                 </a:tc>
                 <a:extLst>
                   <a:ext uri="{0D108BD9-81ED-4DB2-BD59-A6C34878D82A}">
-                    <a16:rowId xmlns:a16="http://schemas.microsoft.com/office/drawing/2014/main" val="10003"/>
+                    <a16:rowId xmlns:a16="http://schemas.microsoft.com/office/drawing/2014/main" xmlns="" val="10004"/>
                   </a:ext>
                 </a:extLst>
               </a:tr>
@@ -5432,11 +5531,31 @@
                         <a:buNone/>
                       </a:pPr>
                       <a:r>
+                        <a:rPr lang="en-IN" altLang="en-US" sz="1200" b="0" dirty="0">
+                          <a:latin typeface="Times New Roman" panose="02020603050405020304" pitchFamily="18" charset="0"/>
+                          <a:ea typeface="Times New Roman" panose="02020603050405020304" pitchFamily="18" charset="0"/>
+                          <a:cs typeface="Times New Roman" panose="02020603050405020304" pitchFamily="18" charset="0"/>
+                        </a:rPr>
+                        <a:t>Email </a:t>
+                      </a:r>
+                    </a:p>
+                  </a:txBody>
+                  <a:tcPr marL="68580" marR="68580" marT="0" marB="0"/>
+                </a:tc>
+                <a:tc>
+                  <a:txBody>
+                    <a:bodyPr/>
+                    <a:lstStyle/>
+                    <a:p>
+                      <a:pPr indent="0">
+                        <a:buNone/>
+                      </a:pPr>
+                      <a:r>
                         <a:rPr lang="en-IN" altLang="en-US" sz="1200" b="0">
                           <a:latin typeface="Times New Roman" panose="02020603050405020304" pitchFamily="18" charset="0"/>
                           <a:cs typeface="Times New Roman" panose="02020603050405020304" pitchFamily="18" charset="0"/>
                         </a:rPr>
-                        <a:t>Mobile</a:t>
+                        <a:t>Varchar</a:t>
                       </a:r>
                       <a:endParaRPr lang="en-IN" altLang="en-US" sz="1200" b="0">
                         <a:latin typeface="Times New Roman" panose="02020603050405020304" pitchFamily="18" charset="0"/>
@@ -5458,11 +5577,15 @@
                       <a:r>
                         <a:rPr lang="en-IN" altLang="en-US" sz="1200" b="0" dirty="0">
                           <a:latin typeface="Times New Roman" panose="02020603050405020304" pitchFamily="18" charset="0"/>
-                          <a:ea typeface="Times New Roman" panose="02020603050405020304" pitchFamily="18" charset="0"/>
-                          <a:cs typeface="Times New Roman" panose="02020603050405020304" pitchFamily="18" charset="0"/>
-                        </a:rPr>
-                        <a:t>Number</a:t>
-                      </a:r>
+                          <a:cs typeface="Times New Roman" panose="02020603050405020304" pitchFamily="18" charset="0"/>
+                        </a:rPr>
+                        <a:t>30</a:t>
+                      </a:r>
+                      <a:endParaRPr lang="en-IN" altLang="en-US" sz="1200" b="0" dirty="0">
+                        <a:latin typeface="Times New Roman" panose="02020603050405020304" pitchFamily="18" charset="0"/>
+                        <a:ea typeface="Times New Roman" panose="02020603050405020304" pitchFamily="18" charset="0"/>
+                        <a:cs typeface="Times New Roman" panose="02020603050405020304" pitchFamily="18" charset="0"/>
+                      </a:endParaRPr>
                     </a:p>
                   </a:txBody>
                   <a:tcPr marL="68580" marR="68580" marT="0" marB="0"/>
@@ -5480,7 +5603,7 @@
                           <a:latin typeface="Times New Roman" panose="02020603050405020304" pitchFamily="18" charset="0"/>
                           <a:cs typeface="Times New Roman" panose="02020603050405020304" pitchFamily="18" charset="0"/>
                         </a:rPr>
-                        <a:t>10</a:t>
+                        <a:t>Not null</a:t>
                       </a:r>
                       <a:endParaRPr lang="en-US" sz="1200" b="0" dirty="0">
                         <a:latin typeface="Times New Roman" panose="02020603050405020304" pitchFamily="18" charset="0"/>
@@ -5491,6 +5614,37 @@
                   </a:txBody>
                   <a:tcPr marL="68580" marR="68580" marT="0" marB="0"/>
                 </a:tc>
+                <a:extLst>
+                  <a:ext uri="{0D108BD9-81ED-4DB2-BD59-A6C34878D82A}">
+                    <a16:rowId xmlns:a16="http://schemas.microsoft.com/office/drawing/2014/main" xmlns="" val="10005"/>
+                  </a:ext>
+                </a:extLst>
+              </a:tr>
+              <a:tr h="380579">
+                <a:tc>
+                  <a:txBody>
+                    <a:bodyPr/>
+                    <a:lstStyle/>
+                    <a:p>
+                      <a:pPr indent="0">
+                        <a:buNone/>
+                      </a:pPr>
+                      <a:r>
+                        <a:rPr lang="en-IN" altLang="en-US" sz="1200" b="0">
+                          <a:latin typeface="Times New Roman" panose="02020603050405020304" pitchFamily="18" charset="0"/>
+                          <a:cs typeface="Times New Roman" panose="02020603050405020304" pitchFamily="18" charset="0"/>
+                        </a:rPr>
+                        <a:t>Attender</a:t>
+                      </a:r>
+                      <a:endParaRPr lang="en-IN" altLang="en-US" sz="1200" b="0">
+                        <a:latin typeface="Times New Roman" panose="02020603050405020304" pitchFamily="18" charset="0"/>
+                        <a:ea typeface="Times New Roman" panose="02020603050405020304" pitchFamily="18" charset="0"/>
+                        <a:cs typeface="Times New Roman" panose="02020603050405020304" pitchFamily="18" charset="0"/>
+                      </a:endParaRPr>
+                    </a:p>
+                  </a:txBody>
+                  <a:tcPr marL="68580" marR="68580" marT="0" marB="0"/>
+                </a:tc>
                 <a:tc>
                   <a:txBody>
                     <a:bodyPr/>
@@ -5504,7 +5658,7 @@
                           <a:latin typeface="Times New Roman" panose="02020603050405020304" pitchFamily="18" charset="0"/>
                           <a:cs typeface="Times New Roman" panose="02020603050405020304" pitchFamily="18" charset="0"/>
                         </a:rPr>
-                        <a:t>Not null</a:t>
+                        <a:t>Varchar </a:t>
                       </a:r>
                       <a:endParaRPr lang="en-US" sz="1200" b="0">
                         <a:latin typeface="Times New Roman" panose="02020603050405020304" pitchFamily="18" charset="0"/>
@@ -5515,9 +5669,53 @@
                   </a:txBody>
                   <a:tcPr marL="68580" marR="68580" marT="0" marB="0"/>
                 </a:tc>
+                <a:tc>
+                  <a:txBody>
+                    <a:bodyPr/>
+                    <a:lstStyle/>
+                    <a:p>
+                      <a:pPr indent="0">
+                        <a:buNone/>
+                      </a:pPr>
+                      <a:r>
+                        <a:rPr lang="en-IN" altLang="en-US" sz="1200" b="0" dirty="0">
+                          <a:latin typeface="Times New Roman" panose="02020603050405020304" pitchFamily="18" charset="0"/>
+                          <a:ea typeface="Times New Roman" panose="02020603050405020304" pitchFamily="18" charset="0"/>
+                          <a:cs typeface="Times New Roman" panose="02020603050405020304" pitchFamily="18" charset="0"/>
+                        </a:rPr>
+                        <a:t>20</a:t>
+                      </a:r>
+                    </a:p>
+                  </a:txBody>
+                  <a:tcPr marL="68580" marR="68580" marT="0" marB="0"/>
+                </a:tc>
+                <a:tc>
+                  <a:txBody>
+                    <a:bodyPr/>
+                    <a:lstStyle/>
+                    <a:p>
+                      <a:pPr indent="0">
+                        <a:buNone/>
+                      </a:pPr>
+                      <a:r>
+                        <a:rPr lang="en-US" sz="1200" b="0" dirty="0">
+                          <a:latin typeface="Times New Roman" panose="02020603050405020304" pitchFamily="18" charset="0"/>
+                          <a:cs typeface="Times New Roman" panose="02020603050405020304" pitchFamily="18" charset="0"/>
+                        </a:rPr>
+                        <a:t>Not null</a:t>
+                      </a:r>
+                      <a:endParaRPr lang="en-US" sz="1200" b="0" dirty="0">
+                        <a:latin typeface="Times New Roman" panose="02020603050405020304" pitchFamily="18" charset="0"/>
+                        <a:ea typeface="Times New Roman" panose="02020603050405020304" pitchFamily="18" charset="0"/>
+                        <a:cs typeface="Times New Roman" panose="02020603050405020304" pitchFamily="18" charset="0"/>
+                      </a:endParaRPr>
+                    </a:p>
+                  </a:txBody>
+                  <a:tcPr marL="68580" marR="68580" marT="0" marB="0"/>
+                </a:tc>
                 <a:extLst>
                   <a:ext uri="{0D108BD9-81ED-4DB2-BD59-A6C34878D82A}">
-                    <a16:rowId xmlns:a16="http://schemas.microsoft.com/office/drawing/2014/main" val="10004"/>
+                    <a16:rowId xmlns:a16="http://schemas.microsoft.com/office/drawing/2014/main" xmlns="" val="10006"/>
                   </a:ext>
                 </a:extLst>
               </a:tr>
@@ -5531,31 +5729,11 @@
                         <a:buNone/>
                       </a:pPr>
                       <a:r>
-                        <a:rPr lang="en-IN" altLang="en-US" sz="1200" b="0" dirty="0">
-                          <a:latin typeface="Times New Roman" panose="02020603050405020304" pitchFamily="18" charset="0"/>
-                          <a:ea typeface="Times New Roman" panose="02020603050405020304" pitchFamily="18" charset="0"/>
-                          <a:cs typeface="Times New Roman" panose="02020603050405020304" pitchFamily="18" charset="0"/>
-                        </a:rPr>
-                        <a:t>Email </a:t>
-                      </a:r>
-                    </a:p>
-                  </a:txBody>
-                  <a:tcPr marL="68580" marR="68580" marT="0" marB="0"/>
-                </a:tc>
-                <a:tc>
-                  <a:txBody>
-                    <a:bodyPr/>
-                    <a:lstStyle/>
-                    <a:p>
-                      <a:pPr indent="0">
-                        <a:buNone/>
-                      </a:pPr>
-                      <a:r>
                         <a:rPr lang="en-IN" altLang="en-US" sz="1200" b="0">
                           <a:latin typeface="Times New Roman" panose="02020603050405020304" pitchFamily="18" charset="0"/>
                           <a:cs typeface="Times New Roman" panose="02020603050405020304" pitchFamily="18" charset="0"/>
                         </a:rPr>
-                        <a:t>Varchar</a:t>
+                        <a:t>Emergency</a:t>
                       </a:r>
                       <a:endParaRPr lang="en-IN" altLang="en-US" sz="1200" b="0">
                         <a:latin typeface="Times New Roman" panose="02020603050405020304" pitchFamily="18" charset="0"/>
@@ -5577,50 +5755,15 @@
                       <a:r>
                         <a:rPr lang="en-IN" altLang="en-US" sz="1200" b="0" dirty="0">
                           <a:latin typeface="Times New Roman" panose="02020603050405020304" pitchFamily="18" charset="0"/>
-                          <a:cs typeface="Times New Roman" panose="02020603050405020304" pitchFamily="18" charset="0"/>
-                        </a:rPr>
-                        <a:t>30</a:t>
-                      </a:r>
-                      <a:endParaRPr lang="en-IN" altLang="en-US" sz="1200" b="0" dirty="0">
-                        <a:latin typeface="Times New Roman" panose="02020603050405020304" pitchFamily="18" charset="0"/>
-                        <a:ea typeface="Times New Roman" panose="02020603050405020304" pitchFamily="18" charset="0"/>
-                        <a:cs typeface="Times New Roman" panose="02020603050405020304" pitchFamily="18" charset="0"/>
-                      </a:endParaRPr>
-                    </a:p>
-                  </a:txBody>
-                  <a:tcPr marL="68580" marR="68580" marT="0" marB="0"/>
-                </a:tc>
-                <a:tc>
-                  <a:txBody>
-                    <a:bodyPr/>
-                    <a:lstStyle/>
-                    <a:p>
-                      <a:pPr indent="0">
-                        <a:buNone/>
-                      </a:pPr>
-                      <a:r>
-                        <a:rPr lang="en-US" sz="1200" b="0">
-                          <a:latin typeface="Times New Roman" panose="02020603050405020304" pitchFamily="18" charset="0"/>
-                          <a:cs typeface="Times New Roman" panose="02020603050405020304" pitchFamily="18" charset="0"/>
-                        </a:rPr>
-                        <a:t>Not null</a:t>
-                      </a:r>
-                      <a:endParaRPr lang="en-US" sz="1200" b="0">
-                        <a:latin typeface="Times New Roman" panose="02020603050405020304" pitchFamily="18" charset="0"/>
-                        <a:ea typeface="Times New Roman" panose="02020603050405020304" pitchFamily="18" charset="0"/>
-                        <a:cs typeface="Times New Roman" panose="02020603050405020304" pitchFamily="18" charset="0"/>
-                      </a:endParaRPr>
-                    </a:p>
-                  </a:txBody>
-                  <a:tcPr marL="68580" marR="68580" marT="0" marB="0"/>
-                </a:tc>
-                <a:extLst>
-                  <a:ext uri="{0D108BD9-81ED-4DB2-BD59-A6C34878D82A}">
-                    <a16:rowId xmlns:a16="http://schemas.microsoft.com/office/drawing/2014/main" val="10005"/>
-                  </a:ext>
-                </a:extLst>
-              </a:tr>
-              <a:tr h="380579">
+                          <a:ea typeface="Times New Roman" panose="02020603050405020304" pitchFamily="18" charset="0"/>
+                          <a:cs typeface="Times New Roman" panose="02020603050405020304" pitchFamily="18" charset="0"/>
+                        </a:rPr>
+                        <a:t>Number</a:t>
+                      </a:r>
+                    </a:p>
+                  </a:txBody>
+                  <a:tcPr marL="68580" marR="68580" marT="0" marB="0"/>
+                </a:tc>
                 <a:tc>
                   <a:txBody>
                     <a:bodyPr/>
@@ -5634,7 +5777,7 @@
                           <a:latin typeface="Times New Roman" panose="02020603050405020304" pitchFamily="18" charset="0"/>
                           <a:cs typeface="Times New Roman" panose="02020603050405020304" pitchFamily="18" charset="0"/>
                         </a:rPr>
-                        <a:t>Attender</a:t>
+                        <a:t>10</a:t>
                       </a:r>
                       <a:endParaRPr lang="en-IN" altLang="en-US" sz="1200" b="0">
                         <a:latin typeface="Times New Roman" panose="02020603050405020304" pitchFamily="18" charset="0"/>
@@ -5654,149 +5797,6 @@
                         <a:buNone/>
                       </a:pPr>
                       <a:r>
-                        <a:rPr lang="en-US" sz="1200" b="0">
-                          <a:latin typeface="Times New Roman" panose="02020603050405020304" pitchFamily="18" charset="0"/>
-                          <a:cs typeface="Times New Roman" panose="02020603050405020304" pitchFamily="18" charset="0"/>
-                        </a:rPr>
-                        <a:t>Varchar </a:t>
-                      </a:r>
-                      <a:endParaRPr lang="en-US" sz="1200" b="0">
-                        <a:latin typeface="Times New Roman" panose="02020603050405020304" pitchFamily="18" charset="0"/>
-                        <a:ea typeface="Times New Roman" panose="02020603050405020304" pitchFamily="18" charset="0"/>
-                        <a:cs typeface="Times New Roman" panose="02020603050405020304" pitchFamily="18" charset="0"/>
-                      </a:endParaRPr>
-                    </a:p>
-                  </a:txBody>
-                  <a:tcPr marL="68580" marR="68580" marT="0" marB="0"/>
-                </a:tc>
-                <a:tc>
-                  <a:txBody>
-                    <a:bodyPr/>
-                    <a:lstStyle/>
-                    <a:p>
-                      <a:pPr indent="0">
-                        <a:buNone/>
-                      </a:pPr>
-                      <a:r>
-                        <a:rPr lang="en-IN" altLang="en-US" sz="1200" b="0" dirty="0">
-                          <a:latin typeface="Times New Roman" panose="02020603050405020304" pitchFamily="18" charset="0"/>
-                          <a:ea typeface="Times New Roman" panose="02020603050405020304" pitchFamily="18" charset="0"/>
-                          <a:cs typeface="Times New Roman" panose="02020603050405020304" pitchFamily="18" charset="0"/>
-                        </a:rPr>
-                        <a:t>20</a:t>
-                      </a:r>
-                    </a:p>
-                  </a:txBody>
-                  <a:tcPr marL="68580" marR="68580" marT="0" marB="0"/>
-                </a:tc>
-                <a:tc>
-                  <a:txBody>
-                    <a:bodyPr/>
-                    <a:lstStyle/>
-                    <a:p>
-                      <a:pPr indent="0">
-                        <a:buNone/>
-                      </a:pPr>
-                      <a:r>
-                        <a:rPr lang="en-US" sz="1200" b="0">
-                          <a:latin typeface="Times New Roman" panose="02020603050405020304" pitchFamily="18" charset="0"/>
-                          <a:cs typeface="Times New Roman" panose="02020603050405020304" pitchFamily="18" charset="0"/>
-                        </a:rPr>
-                        <a:t>Not null</a:t>
-                      </a:r>
-                      <a:endParaRPr lang="en-US" sz="1200" b="0">
-                        <a:latin typeface="Times New Roman" panose="02020603050405020304" pitchFamily="18" charset="0"/>
-                        <a:ea typeface="Times New Roman" panose="02020603050405020304" pitchFamily="18" charset="0"/>
-                        <a:cs typeface="Times New Roman" panose="02020603050405020304" pitchFamily="18" charset="0"/>
-                      </a:endParaRPr>
-                    </a:p>
-                  </a:txBody>
-                  <a:tcPr marL="68580" marR="68580" marT="0" marB="0"/>
-                </a:tc>
-                <a:extLst>
-                  <a:ext uri="{0D108BD9-81ED-4DB2-BD59-A6C34878D82A}">
-                    <a16:rowId xmlns:a16="http://schemas.microsoft.com/office/drawing/2014/main" val="10006"/>
-                  </a:ext>
-                </a:extLst>
-              </a:tr>
-              <a:tr h="380579">
-                <a:tc>
-                  <a:txBody>
-                    <a:bodyPr/>
-                    <a:lstStyle/>
-                    <a:p>
-                      <a:pPr indent="0">
-                        <a:buNone/>
-                      </a:pPr>
-                      <a:r>
-                        <a:rPr lang="en-IN" altLang="en-US" sz="1200" b="0">
-                          <a:latin typeface="Times New Roman" panose="02020603050405020304" pitchFamily="18" charset="0"/>
-                          <a:cs typeface="Times New Roman" panose="02020603050405020304" pitchFamily="18" charset="0"/>
-                        </a:rPr>
-                        <a:t>Emergency</a:t>
-                      </a:r>
-                      <a:endParaRPr lang="en-IN" altLang="en-US" sz="1200" b="0">
-                        <a:latin typeface="Times New Roman" panose="02020603050405020304" pitchFamily="18" charset="0"/>
-                        <a:ea typeface="Times New Roman" panose="02020603050405020304" pitchFamily="18" charset="0"/>
-                        <a:cs typeface="Times New Roman" panose="02020603050405020304" pitchFamily="18" charset="0"/>
-                      </a:endParaRPr>
-                    </a:p>
-                  </a:txBody>
-                  <a:tcPr marL="68580" marR="68580" marT="0" marB="0"/>
-                </a:tc>
-                <a:tc>
-                  <a:txBody>
-                    <a:bodyPr/>
-                    <a:lstStyle/>
-                    <a:p>
-                      <a:pPr indent="0">
-                        <a:buNone/>
-                      </a:pPr>
-                      <a:r>
-                        <a:rPr lang="en-IN" altLang="en-US" sz="1200" b="0" dirty="0">
-                          <a:latin typeface="Times New Roman" panose="02020603050405020304" pitchFamily="18" charset="0"/>
-                          <a:ea typeface="Times New Roman" panose="02020603050405020304" pitchFamily="18" charset="0"/>
-                          <a:cs typeface="Times New Roman" panose="02020603050405020304" pitchFamily="18" charset="0"/>
-                        </a:rPr>
-                        <a:t>Number</a:t>
-                      </a:r>
-                    </a:p>
-                  </a:txBody>
-                  <a:tcPr marL="68580" marR="68580" marT="0" marB="0"/>
-                </a:tc>
-                <a:tc>
-                  <a:txBody>
-                    <a:bodyPr/>
-                    <a:lstStyle/>
-                    <a:p>
-                      <a:pPr indent="0">
-                        <a:buNone/>
-                      </a:pPr>
-                      <a:r>
-                        <a:rPr lang="en-IN" altLang="en-US" sz="1200" b="0">
-                          <a:latin typeface="Times New Roman" panose="02020603050405020304" pitchFamily="18" charset="0"/>
-                          <a:cs typeface="Times New Roman" panose="02020603050405020304" pitchFamily="18" charset="0"/>
-                        </a:rPr>
-                        <a:t>10</a:t>
-                      </a:r>
-                      <a:endParaRPr lang="en-IN" altLang="en-US" sz="1200" b="0">
-                        <a:latin typeface="Times New Roman" panose="02020603050405020304" pitchFamily="18" charset="0"/>
-                        <a:ea typeface="Times New Roman" panose="02020603050405020304" pitchFamily="18" charset="0"/>
-                        <a:cs typeface="Times New Roman" panose="02020603050405020304" pitchFamily="18" charset="0"/>
-                      </a:endParaRPr>
-                    </a:p>
-                  </a:txBody>
-                  <a:tcPr marL="68580" marR="68580" marT="0" marB="0"/>
-                </a:tc>
-                <a:tc>
-                  <a:txBody>
-                    <a:bodyPr/>
-                    <a:lstStyle/>
-                    <a:p>
-                      <a:pPr indent="0">
-                        <a:buNone/>
-                      </a:pPr>
-                      <a:r>
                         <a:rPr lang="en-US" sz="1200" b="0" dirty="0">
                           <a:latin typeface="Times New Roman" panose="02020603050405020304" pitchFamily="18" charset="0"/>
                           <a:cs typeface="Times New Roman" panose="02020603050405020304" pitchFamily="18" charset="0"/>
@@ -5814,7 +5814,7 @@
                 </a:tc>
                 <a:extLst>
                   <a:ext uri="{0D108BD9-81ED-4DB2-BD59-A6C34878D82A}">
-                    <a16:rowId xmlns:a16="http://schemas.microsoft.com/office/drawing/2014/main" val="10007"/>
+                    <a16:rowId xmlns:a16="http://schemas.microsoft.com/office/drawing/2014/main" xmlns="" val="10007"/>
                   </a:ext>
                 </a:extLst>
               </a:tr>
@@ -5903,28 +5903,28 @@
                 <a:gridCol w="1466533">
                   <a:extLst>
                     <a:ext uri="{9D8B030D-6E8A-4147-A177-3AD203B41FA5}">
-                      <a16:colId xmlns:a16="http://schemas.microsoft.com/office/drawing/2014/main" val="20000"/>
+                      <a16:colId xmlns:a16="http://schemas.microsoft.com/office/drawing/2014/main" xmlns="" val="20000"/>
                     </a:ext>
                   </a:extLst>
                 </a:gridCol>
                 <a:gridCol w="1466533">
                   <a:extLst>
                     <a:ext uri="{9D8B030D-6E8A-4147-A177-3AD203B41FA5}">
-                      <a16:colId xmlns:a16="http://schemas.microsoft.com/office/drawing/2014/main" val="20001"/>
+                      <a16:colId xmlns:a16="http://schemas.microsoft.com/office/drawing/2014/main" xmlns="" val="20001"/>
                     </a:ext>
                   </a:extLst>
                 </a:gridCol>
                 <a:gridCol w="1467167">
                   <a:extLst>
                     <a:ext uri="{9D8B030D-6E8A-4147-A177-3AD203B41FA5}">
-                      <a16:colId xmlns:a16="http://schemas.microsoft.com/office/drawing/2014/main" val="20002"/>
+                      <a16:colId xmlns:a16="http://schemas.microsoft.com/office/drawing/2014/main" xmlns="" val="20002"/>
                     </a:ext>
                   </a:extLst>
                 </a:gridCol>
                 <a:gridCol w="1467167">
                   <a:extLst>
                     <a:ext uri="{9D8B030D-6E8A-4147-A177-3AD203B41FA5}">
-                      <a16:colId xmlns:a16="http://schemas.microsoft.com/office/drawing/2014/main" val="20003"/>
+                      <a16:colId xmlns:a16="http://schemas.microsoft.com/office/drawing/2014/main" xmlns="" val="20003"/>
                     </a:ext>
                   </a:extLst>
                 </a:gridCol>
@@ -5939,11 +5939,35 @@
                         <a:buNone/>
                       </a:pPr>
                       <a:r>
+                        <a:rPr lang="en-US" sz="1200" b="1" dirty="0">
+                          <a:latin typeface="Times New Roman" panose="02020603050405020304" pitchFamily="18" charset="0"/>
+                          <a:cs typeface="Times New Roman" panose="02020603050405020304" pitchFamily="18" charset="0"/>
+                        </a:rPr>
+                        <a:t>FIELD </a:t>
+                      </a:r>
+                      <a:endParaRPr lang="en-US" sz="1200" b="1" dirty="0">
+                        <a:latin typeface="Times New Roman" panose="02020603050405020304" pitchFamily="18" charset="0"/>
+                        <a:ea typeface="Times New Roman" panose="02020603050405020304" pitchFamily="18" charset="0"/>
+                        <a:cs typeface="Times New Roman" panose="02020603050405020304" pitchFamily="18" charset="0"/>
+                      </a:endParaRPr>
+                    </a:p>
+                  </a:txBody>
+                  <a:tcPr marL="68580" marR="68580" marT="0" marB="0"/>
+                </a:tc>
+                <a:tc>
+                  <a:txBody>
+                    <a:bodyPr/>
+                    <a:lstStyle/>
+                    <a:p>
+                      <a:pPr indent="0">
+                        <a:buNone/>
+                      </a:pPr>
+                      <a:r>
                         <a:rPr lang="en-US" sz="1200" b="1">
                           <a:latin typeface="Times New Roman" panose="02020603050405020304" pitchFamily="18" charset="0"/>
                           <a:cs typeface="Times New Roman" panose="02020603050405020304" pitchFamily="18" charset="0"/>
                         </a:rPr>
-                        <a:t>FIELD </a:t>
+                        <a:t>DATA TYPE</a:t>
                       </a:r>
                       <a:endParaRPr lang="en-US" sz="1200" b="1">
                         <a:latin typeface="Times New Roman" panose="02020603050405020304" pitchFamily="18" charset="0"/>
@@ -5967,7 +5991,7 @@
                           <a:latin typeface="Times New Roman" panose="02020603050405020304" pitchFamily="18" charset="0"/>
                           <a:cs typeface="Times New Roman" panose="02020603050405020304" pitchFamily="18" charset="0"/>
                         </a:rPr>
-                        <a:t>DATA TYPE</a:t>
+                        <a:t>SIZE</a:t>
                       </a:r>
                       <a:endParaRPr lang="en-US" sz="1200" b="1">
                         <a:latin typeface="Times New Roman" panose="02020603050405020304" pitchFamily="18" charset="0"/>
@@ -5991,7 +6015,7 @@
                           <a:latin typeface="Times New Roman" panose="02020603050405020304" pitchFamily="18" charset="0"/>
                           <a:cs typeface="Times New Roman" panose="02020603050405020304" pitchFamily="18" charset="0"/>
                         </a:rPr>
-                        <a:t>SIZE</a:t>
+                        <a:t>CONSTRAINT</a:t>
                       </a:r>
                       <a:endParaRPr lang="en-US" sz="1200" b="1">
                         <a:latin typeface="Times New Roman" panose="02020603050405020304" pitchFamily="18" charset="0"/>
@@ -6002,22 +6026,49 @@
                   </a:txBody>
                   <a:tcPr marL="68580" marR="68580" marT="0" marB="0"/>
                 </a:tc>
-                <a:tc>
-                  <a:txBody>
-                    <a:bodyPr/>
-                    <a:lstStyle/>
-                    <a:p>
-                      <a:pPr indent="0">
-                        <a:buNone/>
-                      </a:pPr>
-                      <a:r>
-                        <a:rPr lang="en-US" sz="1200" b="1">
-                          <a:latin typeface="Times New Roman" panose="02020603050405020304" pitchFamily="18" charset="0"/>
-                          <a:cs typeface="Times New Roman" panose="02020603050405020304" pitchFamily="18" charset="0"/>
-                        </a:rPr>
-                        <a:t>CONSTRAINT</a:t>
-                      </a:r>
-                      <a:endParaRPr lang="en-US" sz="1200" b="1">
+                <a:extLst>
+                  <a:ext uri="{0D108BD9-81ED-4DB2-BD59-A6C34878D82A}">
+                    <a16:rowId xmlns:a16="http://schemas.microsoft.com/office/drawing/2014/main" xmlns="" val="10000"/>
+                  </a:ext>
+                </a:extLst>
+              </a:tr>
+              <a:tr h="380579">
+                <a:tc>
+                  <a:txBody>
+                    <a:bodyPr/>
+                    <a:lstStyle/>
+                    <a:p>
+                      <a:pPr indent="0">
+                        <a:buNone/>
+                      </a:pPr>
+                      <a:r>
+                        <a:rPr lang="en-IN" altLang="en-US" sz="1200" b="0" dirty="0">
+                          <a:latin typeface="Times New Roman" panose="02020603050405020304" pitchFamily="18" charset="0"/>
+                          <a:ea typeface="Times New Roman" panose="02020603050405020304" pitchFamily="18" charset="0"/>
+                          <a:cs typeface="Times New Roman" panose="02020603050405020304" pitchFamily="18" charset="0"/>
+                        </a:rPr>
+                        <a:t>Doctor Id</a:t>
+                      </a:r>
+                    </a:p>
+                  </a:txBody>
+                  <a:tcPr marL="68580" marR="68580" marT="0" marB="0"/>
+                </a:tc>
+                <a:tc>
+                  <a:txBody>
+                    <a:bodyPr/>
+                    <a:lstStyle/>
+                    <a:p>
+                      <a:pPr indent="0">
+                        <a:buNone/>
+                      </a:pPr>
+                      <a:r>
+                        <a:rPr lang="en-US" sz="1200" b="0" dirty="0" err="1">
+                          <a:latin typeface="Times New Roman" panose="02020603050405020304" pitchFamily="18" charset="0"/>
+                          <a:cs typeface="Times New Roman" panose="02020603050405020304" pitchFamily="18" charset="0"/>
+                        </a:rPr>
+                        <a:t>Int</a:t>
+                      </a:r>
+                      <a:endParaRPr lang="en-US" sz="1200" b="0" dirty="0">
                         <a:latin typeface="Times New Roman" panose="02020603050405020304" pitchFamily="18" charset="0"/>
                         <a:ea typeface="Times New Roman" panose="02020603050405020304" pitchFamily="18" charset="0"/>
                         <a:cs typeface="Times New Roman" panose="02020603050405020304" pitchFamily="18" charset="0"/>
@@ -6026,33 +6077,6 @@
                   </a:txBody>
                   <a:tcPr marL="68580" marR="68580" marT="0" marB="0"/>
                 </a:tc>
-                <a:extLst>
-                  <a:ext uri="{0D108BD9-81ED-4DB2-BD59-A6C34878D82A}">
-                    <a16:rowId xmlns:a16="http://schemas.microsoft.com/office/drawing/2014/main" val="10000"/>
-                  </a:ext>
-                </a:extLst>
-              </a:tr>
-              <a:tr h="380579">
-                <a:tc>
-                  <a:txBody>
-                    <a:bodyPr/>
-                    <a:lstStyle/>
-                    <a:p>
-                      <a:pPr indent="0">
-                        <a:buNone/>
-                      </a:pPr>
-                      <a:r>
-                        <a:rPr lang="en-IN" altLang="en-US" sz="1200" b="0">
-                          <a:latin typeface="Times New Roman" panose="02020603050405020304" pitchFamily="18" charset="0"/>
-                          <a:ea typeface="Times New Roman" panose="02020603050405020304" pitchFamily="18" charset="0"/>
-                          <a:cs typeface="Times New Roman" panose="02020603050405020304" pitchFamily="18" charset="0"/>
-                        </a:rPr>
-                        <a:t>Doctor Id</a:t>
-                      </a:r>
-                    </a:p>
-                  </a:txBody>
-                  <a:tcPr marL="68580" marR="68580" marT="0" marB="0"/>
-                </a:tc>
                 <a:tc>
                   <a:txBody>
                     <a:bodyPr/>
@@ -6066,7 +6090,7 @@
                           <a:latin typeface="Times New Roman" panose="02020603050405020304" pitchFamily="18" charset="0"/>
                           <a:cs typeface="Times New Roman" panose="02020603050405020304" pitchFamily="18" charset="0"/>
                         </a:rPr>
-                        <a:t>Int</a:t>
+                        <a:t>10</a:t>
                       </a:r>
                       <a:endParaRPr lang="en-US" sz="1200" b="0">
                         <a:latin typeface="Times New Roman" panose="02020603050405020304" pitchFamily="18" charset="0"/>
@@ -6090,7 +6114,7 @@
                           <a:latin typeface="Times New Roman" panose="02020603050405020304" pitchFamily="18" charset="0"/>
                           <a:cs typeface="Times New Roman" panose="02020603050405020304" pitchFamily="18" charset="0"/>
                         </a:rPr>
-                        <a:t>10</a:t>
+                        <a:t>Primary key</a:t>
                       </a:r>
                       <a:endParaRPr lang="en-US" sz="1200" b="0">
                         <a:latin typeface="Times New Roman" panose="02020603050405020304" pitchFamily="18" charset="0"/>
@@ -6101,6 +6125,81 @@
                   </a:txBody>
                   <a:tcPr marL="68580" marR="68580" marT="0" marB="0"/>
                 </a:tc>
+                <a:extLst>
+                  <a:ext uri="{0D108BD9-81ED-4DB2-BD59-A6C34878D82A}">
+                    <a16:rowId xmlns:a16="http://schemas.microsoft.com/office/drawing/2014/main" xmlns="" val="10001"/>
+                  </a:ext>
+                </a:extLst>
+              </a:tr>
+              <a:tr h="380579">
+                <a:tc>
+                  <a:txBody>
+                    <a:bodyPr/>
+                    <a:lstStyle/>
+                    <a:p>
+                      <a:pPr indent="0">
+                        <a:buNone/>
+                      </a:pPr>
+                      <a:r>
+                        <a:rPr lang="en-IN" altLang="en-US" sz="1200" b="0">
+                          <a:latin typeface="Times New Roman" panose="02020603050405020304" pitchFamily="18" charset="0"/>
+                          <a:cs typeface="Times New Roman" panose="02020603050405020304" pitchFamily="18" charset="0"/>
+                        </a:rPr>
+                        <a:t>doctor name</a:t>
+                      </a:r>
+                      <a:endParaRPr lang="en-IN" altLang="en-US" sz="1200" b="0">
+                        <a:latin typeface="Times New Roman" panose="02020603050405020304" pitchFamily="18" charset="0"/>
+                        <a:ea typeface="Times New Roman" panose="02020603050405020304" pitchFamily="18" charset="0"/>
+                        <a:cs typeface="Times New Roman" panose="02020603050405020304" pitchFamily="18" charset="0"/>
+                      </a:endParaRPr>
+                    </a:p>
+                  </a:txBody>
+                  <a:tcPr marL="68580" marR="68580" marT="0" marB="0"/>
+                </a:tc>
+                <a:tc>
+                  <a:txBody>
+                    <a:bodyPr/>
+                    <a:lstStyle/>
+                    <a:p>
+                      <a:pPr indent="0">
+                        <a:buNone/>
+                      </a:pPr>
+                      <a:r>
+                        <a:rPr lang="en-US" sz="1200" b="0" dirty="0">
+                          <a:latin typeface="Times New Roman" panose="02020603050405020304" pitchFamily="18" charset="0"/>
+                          <a:cs typeface="Times New Roman" panose="02020603050405020304" pitchFamily="18" charset="0"/>
+                        </a:rPr>
+                        <a:t>Varchar</a:t>
+                      </a:r>
+                      <a:endParaRPr lang="en-US" sz="1200" b="0" dirty="0">
+                        <a:latin typeface="Times New Roman" panose="02020603050405020304" pitchFamily="18" charset="0"/>
+                        <a:ea typeface="Times New Roman" panose="02020603050405020304" pitchFamily="18" charset="0"/>
+                        <a:cs typeface="Times New Roman" panose="02020603050405020304" pitchFamily="18" charset="0"/>
+                      </a:endParaRPr>
+                    </a:p>
+                  </a:txBody>
+                  <a:tcPr marL="68580" marR="68580" marT="0" marB="0"/>
+                </a:tc>
+                <a:tc>
+                  <a:txBody>
+                    <a:bodyPr/>
+                    <a:lstStyle/>
+                    <a:p>
+                      <a:pPr indent="0">
+                        <a:buNone/>
+                      </a:pPr>
+                      <a:r>
+                        <a:rPr lang="en-IN" altLang="en-US" sz="1200" b="0" dirty="0">
+                          <a:latin typeface="Times New Roman" panose="02020603050405020304" pitchFamily="18" charset="0"/>
+                          <a:ea typeface="Times New Roman" panose="02020603050405020304" pitchFamily="18" charset="0"/>
+                          <a:cs typeface="Times New Roman" panose="02020603050405020304" pitchFamily="18" charset="0"/>
+                        </a:rPr>
+                        <a:t>20</a:t>
+                      </a:r>
+                    </a:p>
+                  </a:txBody>
+                  <a:tcPr marL="68580" marR="68580" marT="0" marB="0"/>
+                </a:tc>
                 <a:tc>
                   <a:txBody>
                     <a:bodyPr/>
@@ -6114,7 +6213,7 @@
                           <a:latin typeface="Times New Roman" panose="02020603050405020304" pitchFamily="18" charset="0"/>
                           <a:cs typeface="Times New Roman" panose="02020603050405020304" pitchFamily="18" charset="0"/>
                         </a:rPr>
-                        <a:t>Primary key</a:t>
+                        <a:t>Not null</a:t>
                       </a:r>
                       <a:endParaRPr lang="en-US" sz="1200" b="0">
                         <a:latin typeface="Times New Roman" panose="02020603050405020304" pitchFamily="18" charset="0"/>
@@ -6127,7 +6226,7 @@
                 </a:tc>
                 <a:extLst>
                   <a:ext uri="{0D108BD9-81ED-4DB2-BD59-A6C34878D82A}">
-                    <a16:rowId xmlns:a16="http://schemas.microsoft.com/office/drawing/2014/main" val="10001"/>
+                    <a16:rowId xmlns:a16="http://schemas.microsoft.com/office/drawing/2014/main" xmlns="" val="10002"/>
                   </a:ext>
                 </a:extLst>
               </a:tr>
@@ -6145,7 +6244,7 @@
                           <a:latin typeface="Times New Roman" panose="02020603050405020304" pitchFamily="18" charset="0"/>
                           <a:cs typeface="Times New Roman" panose="02020603050405020304" pitchFamily="18" charset="0"/>
                         </a:rPr>
-                        <a:t>doctor name</a:t>
+                        <a:t>Speciality</a:t>
                       </a:r>
                       <a:endParaRPr lang="en-IN" altLang="en-US" sz="1200" b="0">
                         <a:latin typeface="Times New Roman" panose="02020603050405020304" pitchFamily="18" charset="0"/>
@@ -6165,13 +6264,13 @@
                         <a:buNone/>
                       </a:pPr>
                       <a:r>
-                        <a:rPr lang="en-US" sz="1200" b="0">
-                          <a:latin typeface="Times New Roman" panose="02020603050405020304" pitchFamily="18" charset="0"/>
-                          <a:cs typeface="Times New Roman" panose="02020603050405020304" pitchFamily="18" charset="0"/>
-                        </a:rPr>
-                        <a:t>Varchar</a:t>
-                      </a:r>
-                      <a:endParaRPr lang="en-US" sz="1200" b="0">
+                        <a:rPr lang="en-US" sz="1200" b="0" dirty="0">
+                          <a:latin typeface="Times New Roman" panose="02020603050405020304" pitchFamily="18" charset="0"/>
+                          <a:cs typeface="Times New Roman" panose="02020603050405020304" pitchFamily="18" charset="0"/>
+                        </a:rPr>
+                        <a:t>Varchar </a:t>
+                      </a:r>
+                      <a:endParaRPr lang="en-US" sz="1200" b="0" dirty="0">
                         <a:latin typeface="Times New Roman" panose="02020603050405020304" pitchFamily="18" charset="0"/>
                         <a:ea typeface="Times New Roman" panose="02020603050405020304" pitchFamily="18" charset="0"/>
                         <a:cs typeface="Times New Roman" panose="02020603050405020304" pitchFamily="18" charset="0"/>
@@ -6209,13 +6308,13 @@
                         <a:buNone/>
                       </a:pPr>
                       <a:r>
-                        <a:rPr lang="en-US" sz="1200" b="0">
+                        <a:rPr lang="en-US" sz="1200" b="0" dirty="0">
                           <a:latin typeface="Times New Roman" panose="02020603050405020304" pitchFamily="18" charset="0"/>
                           <a:cs typeface="Times New Roman" panose="02020603050405020304" pitchFamily="18" charset="0"/>
                         </a:rPr>
                         <a:t>Not null</a:t>
                       </a:r>
-                      <a:endParaRPr lang="en-US" sz="1200" b="0">
+                      <a:endParaRPr lang="en-US" sz="1200" b="0" dirty="0">
                         <a:latin typeface="Times New Roman" panose="02020603050405020304" pitchFamily="18" charset="0"/>
                         <a:ea typeface="Times New Roman" panose="02020603050405020304" pitchFamily="18" charset="0"/>
                         <a:cs typeface="Times New Roman" panose="02020603050405020304" pitchFamily="18" charset="0"/>
@@ -6226,7 +6325,7 @@
                 </a:tc>
                 <a:extLst>
                   <a:ext uri="{0D108BD9-81ED-4DB2-BD59-A6C34878D82A}">
-                    <a16:rowId xmlns:a16="http://schemas.microsoft.com/office/drawing/2014/main" val="10002"/>
+                    <a16:rowId xmlns:a16="http://schemas.microsoft.com/office/drawing/2014/main" xmlns="" val="10003"/>
                   </a:ext>
                 </a:extLst>
               </a:tr>
@@ -6244,7 +6343,7 @@
                           <a:latin typeface="Times New Roman" panose="02020603050405020304" pitchFamily="18" charset="0"/>
                           <a:cs typeface="Times New Roman" panose="02020603050405020304" pitchFamily="18" charset="0"/>
                         </a:rPr>
-                        <a:t>Speciality</a:t>
+                        <a:t>qualification</a:t>
                       </a:r>
                       <a:endParaRPr lang="en-IN" altLang="en-US" sz="1200" b="0">
                         <a:latin typeface="Times New Roman" panose="02020603050405020304" pitchFamily="18" charset="0"/>
@@ -6264,86 +6363,11 @@
                         <a:buNone/>
                       </a:pPr>
                       <a:r>
-                        <a:rPr lang="en-US" sz="1200" b="0">
-                          <a:latin typeface="Times New Roman" panose="02020603050405020304" pitchFamily="18" charset="0"/>
-                          <a:cs typeface="Times New Roman" panose="02020603050405020304" pitchFamily="18" charset="0"/>
-                        </a:rPr>
-                        <a:t>Varchar </a:t>
-                      </a:r>
-                      <a:endParaRPr lang="en-US" sz="1200" b="0">
-                        <a:latin typeface="Times New Roman" panose="02020603050405020304" pitchFamily="18" charset="0"/>
-                        <a:ea typeface="Times New Roman" panose="02020603050405020304" pitchFamily="18" charset="0"/>
-                        <a:cs typeface="Times New Roman" panose="02020603050405020304" pitchFamily="18" charset="0"/>
-                      </a:endParaRPr>
-                    </a:p>
-                  </a:txBody>
-                  <a:tcPr marL="68580" marR="68580" marT="0" marB="0"/>
-                </a:tc>
-                <a:tc>
-                  <a:txBody>
-                    <a:bodyPr/>
-                    <a:lstStyle/>
-                    <a:p>
-                      <a:pPr indent="0">
-                        <a:buNone/>
-                      </a:pPr>
-                      <a:r>
-                        <a:rPr lang="en-IN" altLang="en-US" sz="1200" b="0" dirty="0">
-                          <a:latin typeface="Times New Roman" panose="02020603050405020304" pitchFamily="18" charset="0"/>
-                          <a:ea typeface="Times New Roman" panose="02020603050405020304" pitchFamily="18" charset="0"/>
-                          <a:cs typeface="Times New Roman" panose="02020603050405020304" pitchFamily="18" charset="0"/>
-                        </a:rPr>
-                        <a:t>20</a:t>
-                      </a:r>
-                    </a:p>
-                  </a:txBody>
-                  <a:tcPr marL="68580" marR="68580" marT="0" marB="0"/>
-                </a:tc>
-                <a:tc>
-                  <a:txBody>
-                    <a:bodyPr/>
-                    <a:lstStyle/>
-                    <a:p>
-                      <a:pPr indent="0">
-                        <a:buNone/>
-                      </a:pPr>
-                      <a:r>
-                        <a:rPr lang="en-US" sz="1200" b="0">
-                          <a:latin typeface="Times New Roman" panose="02020603050405020304" pitchFamily="18" charset="0"/>
-                          <a:cs typeface="Times New Roman" panose="02020603050405020304" pitchFamily="18" charset="0"/>
-                        </a:rPr>
-                        <a:t>Not null</a:t>
-                      </a:r>
-                      <a:endParaRPr lang="en-US" sz="1200" b="0">
-                        <a:latin typeface="Times New Roman" panose="02020603050405020304" pitchFamily="18" charset="0"/>
-                        <a:ea typeface="Times New Roman" panose="02020603050405020304" pitchFamily="18" charset="0"/>
-                        <a:cs typeface="Times New Roman" panose="02020603050405020304" pitchFamily="18" charset="0"/>
-                      </a:endParaRPr>
-                    </a:p>
-                  </a:txBody>
-                  <a:tcPr marL="68580" marR="68580" marT="0" marB="0"/>
-                </a:tc>
-                <a:extLst>
-                  <a:ext uri="{0D108BD9-81ED-4DB2-BD59-A6C34878D82A}">
-                    <a16:rowId xmlns:a16="http://schemas.microsoft.com/office/drawing/2014/main" val="10003"/>
-                  </a:ext>
-                </a:extLst>
-              </a:tr>
-              <a:tr h="380579">
-                <a:tc>
-                  <a:txBody>
-                    <a:bodyPr/>
-                    <a:lstStyle/>
-                    <a:p>
-                      <a:pPr indent="0">
-                        <a:buNone/>
-                      </a:pPr>
-                      <a:r>
                         <a:rPr lang="en-IN" altLang="en-US" sz="1200" b="0">
                           <a:latin typeface="Times New Roman" panose="02020603050405020304" pitchFamily="18" charset="0"/>
                           <a:cs typeface="Times New Roman" panose="02020603050405020304" pitchFamily="18" charset="0"/>
                         </a:rPr>
-                        <a:t>qualification</a:t>
+                        <a:t>Varchar</a:t>
                       </a:r>
                       <a:endParaRPr lang="en-IN" altLang="en-US" sz="1200" b="0">
                         <a:latin typeface="Times New Roman" panose="02020603050405020304" pitchFamily="18" charset="0"/>
@@ -6363,11 +6387,66 @@
                         <a:buNone/>
                       </a:pPr>
                       <a:r>
+                        <a:rPr lang="en-US" sz="1200" b="0" dirty="0">
+                          <a:latin typeface="Times New Roman" panose="02020603050405020304" pitchFamily="18" charset="0"/>
+                          <a:cs typeface="Times New Roman" panose="02020603050405020304" pitchFamily="18" charset="0"/>
+                        </a:rPr>
+                        <a:t>10</a:t>
+                      </a:r>
+                      <a:endParaRPr lang="en-US" sz="1200" b="0" dirty="0">
+                        <a:latin typeface="Times New Roman" panose="02020603050405020304" pitchFamily="18" charset="0"/>
+                        <a:ea typeface="Times New Roman" panose="02020603050405020304" pitchFamily="18" charset="0"/>
+                        <a:cs typeface="Times New Roman" panose="02020603050405020304" pitchFamily="18" charset="0"/>
+                      </a:endParaRPr>
+                    </a:p>
+                  </a:txBody>
+                  <a:tcPr marL="68580" marR="68580" marT="0" marB="0"/>
+                </a:tc>
+                <a:tc>
+                  <a:txBody>
+                    <a:bodyPr/>
+                    <a:lstStyle/>
+                    <a:p>
+                      <a:pPr indent="0">
+                        <a:buNone/>
+                      </a:pPr>
+                      <a:r>
+                        <a:rPr lang="en-US" sz="1200" b="0" dirty="0">
+                          <a:latin typeface="Times New Roman" panose="02020603050405020304" pitchFamily="18" charset="0"/>
+                          <a:cs typeface="Times New Roman" panose="02020603050405020304" pitchFamily="18" charset="0"/>
+                        </a:rPr>
+                        <a:t>Not null</a:t>
+                      </a:r>
+                      <a:endParaRPr lang="en-US" sz="1200" b="0" dirty="0">
+                        <a:latin typeface="Times New Roman" panose="02020603050405020304" pitchFamily="18" charset="0"/>
+                        <a:ea typeface="Times New Roman" panose="02020603050405020304" pitchFamily="18" charset="0"/>
+                        <a:cs typeface="Times New Roman" panose="02020603050405020304" pitchFamily="18" charset="0"/>
+                      </a:endParaRPr>
+                    </a:p>
+                  </a:txBody>
+                  <a:tcPr marL="68580" marR="68580" marT="0" marB="0"/>
+                </a:tc>
+                <a:extLst>
+                  <a:ext uri="{0D108BD9-81ED-4DB2-BD59-A6C34878D82A}">
+                    <a16:rowId xmlns:a16="http://schemas.microsoft.com/office/drawing/2014/main" xmlns="" val="10004"/>
+                  </a:ext>
+                </a:extLst>
+              </a:tr>
+              <a:tr h="380579">
+                <a:tc>
+                  <a:txBody>
+                    <a:bodyPr/>
+                    <a:lstStyle/>
+                    <a:p>
+                      <a:pPr indent="0">
+                        <a:buNone/>
+                      </a:pPr>
+                      <a:r>
                         <a:rPr lang="en-IN" altLang="en-US" sz="1200" b="0">
                           <a:latin typeface="Times New Roman" panose="02020603050405020304" pitchFamily="18" charset="0"/>
                           <a:cs typeface="Times New Roman" panose="02020603050405020304" pitchFamily="18" charset="0"/>
                         </a:rPr>
-                        <a:t>Varchar</a:t>
+                        <a:t>username</a:t>
                       </a:r>
                       <a:endParaRPr lang="en-IN" altLang="en-US" sz="1200" b="0">
                         <a:latin typeface="Times New Roman" panose="02020603050405020304" pitchFamily="18" charset="0"/>
@@ -6387,66 +6466,11 @@
                         <a:buNone/>
                       </a:pPr>
                       <a:r>
-                        <a:rPr lang="en-US" sz="1200" b="0">
-                          <a:latin typeface="Times New Roman" panose="02020603050405020304" pitchFamily="18" charset="0"/>
-                          <a:cs typeface="Times New Roman" panose="02020603050405020304" pitchFamily="18" charset="0"/>
-                        </a:rPr>
-                        <a:t>10</a:t>
-                      </a:r>
-                      <a:endParaRPr lang="en-US" sz="1200" b="0">
-                        <a:latin typeface="Times New Roman" panose="02020603050405020304" pitchFamily="18" charset="0"/>
-                        <a:ea typeface="Times New Roman" panose="02020603050405020304" pitchFamily="18" charset="0"/>
-                        <a:cs typeface="Times New Roman" panose="02020603050405020304" pitchFamily="18" charset="0"/>
-                      </a:endParaRPr>
-                    </a:p>
-                  </a:txBody>
-                  <a:tcPr marL="68580" marR="68580" marT="0" marB="0"/>
-                </a:tc>
-                <a:tc>
-                  <a:txBody>
-                    <a:bodyPr/>
-                    <a:lstStyle/>
-                    <a:p>
-                      <a:pPr indent="0">
-                        <a:buNone/>
-                      </a:pPr>
-                      <a:r>
-                        <a:rPr lang="en-US" sz="1200" b="0">
-                          <a:latin typeface="Times New Roman" panose="02020603050405020304" pitchFamily="18" charset="0"/>
-                          <a:cs typeface="Times New Roman" panose="02020603050405020304" pitchFamily="18" charset="0"/>
-                        </a:rPr>
-                        <a:t>Not null</a:t>
-                      </a:r>
-                      <a:endParaRPr lang="en-US" sz="1200" b="0">
-                        <a:latin typeface="Times New Roman" panose="02020603050405020304" pitchFamily="18" charset="0"/>
-                        <a:ea typeface="Times New Roman" panose="02020603050405020304" pitchFamily="18" charset="0"/>
-                        <a:cs typeface="Times New Roman" panose="02020603050405020304" pitchFamily="18" charset="0"/>
-                      </a:endParaRPr>
-                    </a:p>
-                  </a:txBody>
-                  <a:tcPr marL="68580" marR="68580" marT="0" marB="0"/>
-                </a:tc>
-                <a:extLst>
-                  <a:ext uri="{0D108BD9-81ED-4DB2-BD59-A6C34878D82A}">
-                    <a16:rowId xmlns:a16="http://schemas.microsoft.com/office/drawing/2014/main" val="10004"/>
-                  </a:ext>
-                </a:extLst>
-              </a:tr>
-              <a:tr h="380579">
-                <a:tc>
-                  <a:txBody>
-                    <a:bodyPr/>
-                    <a:lstStyle/>
-                    <a:p>
-                      <a:pPr indent="0">
-                        <a:buNone/>
-                      </a:pPr>
-                      <a:r>
                         <a:rPr lang="en-IN" altLang="en-US" sz="1200" b="0">
                           <a:latin typeface="Times New Roman" panose="02020603050405020304" pitchFamily="18" charset="0"/>
                           <a:cs typeface="Times New Roman" panose="02020603050405020304" pitchFamily="18" charset="0"/>
                         </a:rPr>
-                        <a:t>username</a:t>
+                        <a:t>Varchar</a:t>
                       </a:r>
                       <a:endParaRPr lang="en-IN" altLang="en-US" sz="1200" b="0">
                         <a:latin typeface="Times New Roman" panose="02020603050405020304" pitchFamily="18" charset="0"/>
@@ -6466,11 +6490,62 @@
                         <a:buNone/>
                       </a:pPr>
                       <a:r>
+                        <a:rPr lang="en-IN" altLang="en-US" sz="1200" b="0" dirty="0">
+                          <a:latin typeface="Times New Roman" panose="02020603050405020304" pitchFamily="18" charset="0"/>
+                          <a:ea typeface="Times New Roman" panose="02020603050405020304" pitchFamily="18" charset="0"/>
+                          <a:cs typeface="Times New Roman" panose="02020603050405020304" pitchFamily="18" charset="0"/>
+                        </a:rPr>
+                        <a:t>10</a:t>
+                      </a:r>
+                    </a:p>
+                  </a:txBody>
+                  <a:tcPr marL="68580" marR="68580" marT="0" marB="0"/>
+                </a:tc>
+                <a:tc>
+                  <a:txBody>
+                    <a:bodyPr/>
+                    <a:lstStyle/>
+                    <a:p>
+                      <a:pPr indent="0">
+                        <a:buNone/>
+                      </a:pPr>
+                      <a:r>
+                        <a:rPr lang="en-US" sz="1200" b="0" dirty="0">
+                          <a:latin typeface="Times New Roman" panose="02020603050405020304" pitchFamily="18" charset="0"/>
+                          <a:cs typeface="Times New Roman" panose="02020603050405020304" pitchFamily="18" charset="0"/>
+                        </a:rPr>
+                        <a:t>Not null</a:t>
+                      </a:r>
+                      <a:endParaRPr lang="en-US" sz="1200" b="0" dirty="0">
+                        <a:latin typeface="Times New Roman" panose="02020603050405020304" pitchFamily="18" charset="0"/>
+                        <a:ea typeface="Times New Roman" panose="02020603050405020304" pitchFamily="18" charset="0"/>
+                        <a:cs typeface="Times New Roman" panose="02020603050405020304" pitchFamily="18" charset="0"/>
+                      </a:endParaRPr>
+                    </a:p>
+                  </a:txBody>
+                  <a:tcPr marL="68580" marR="68580" marT="0" marB="0"/>
+                </a:tc>
+                <a:extLst>
+                  <a:ext uri="{0D108BD9-81ED-4DB2-BD59-A6C34878D82A}">
+                    <a16:rowId xmlns:a16="http://schemas.microsoft.com/office/drawing/2014/main" xmlns="" val="10005"/>
+                  </a:ext>
+                </a:extLst>
+              </a:tr>
+              <a:tr h="380579">
+                <a:tc>
+                  <a:txBody>
+                    <a:bodyPr/>
+                    <a:lstStyle/>
+                    <a:p>
+                      <a:pPr indent="0">
+                        <a:buNone/>
+                      </a:pPr>
+                      <a:r>
                         <a:rPr lang="en-IN" altLang="en-US" sz="1200" b="0">
                           <a:latin typeface="Times New Roman" panose="02020603050405020304" pitchFamily="18" charset="0"/>
                           <a:cs typeface="Times New Roman" panose="02020603050405020304" pitchFamily="18" charset="0"/>
                         </a:rPr>
-                        <a:t>Varchar</a:t>
+                        <a:t>password</a:t>
                       </a:r>
                       <a:endParaRPr lang="en-IN" altLang="en-US" sz="1200" b="0">
                         <a:latin typeface="Times New Roman" panose="02020603050405020304" pitchFamily="18" charset="0"/>
@@ -6490,81 +6565,6 @@
                         <a:buNone/>
                       </a:pPr>
                       <a:r>
-                        <a:rPr lang="en-IN" altLang="en-US" sz="1200" b="0" dirty="0">
-                          <a:latin typeface="Times New Roman" panose="02020603050405020304" pitchFamily="18" charset="0"/>
-                          <a:ea typeface="Times New Roman" panose="02020603050405020304" pitchFamily="18" charset="0"/>
-                          <a:cs typeface="Times New Roman" panose="02020603050405020304" pitchFamily="18" charset="0"/>
-                        </a:rPr>
-                        <a:t>10</a:t>
-                      </a:r>
-                    </a:p>
-                  </a:txBody>
-                  <a:tcPr marL="68580" marR="68580" marT="0" marB="0"/>
-                </a:tc>
-                <a:tc>
-                  <a:txBody>
-                    <a:bodyPr/>
-                    <a:lstStyle/>
-                    <a:p>
-                      <a:pPr indent="0">
-                        <a:buNone/>
-                      </a:pPr>
-                      <a:r>
-                        <a:rPr lang="en-US" sz="1200" b="0">
-                          <a:latin typeface="Times New Roman" panose="02020603050405020304" pitchFamily="18" charset="0"/>
-                          <a:cs typeface="Times New Roman" panose="02020603050405020304" pitchFamily="18" charset="0"/>
-                        </a:rPr>
-                        <a:t>Not null</a:t>
-                      </a:r>
-                      <a:endParaRPr lang="en-US" sz="1200" b="0">
-                        <a:latin typeface="Times New Roman" panose="02020603050405020304" pitchFamily="18" charset="0"/>
-                        <a:ea typeface="Times New Roman" panose="02020603050405020304" pitchFamily="18" charset="0"/>
-                        <a:cs typeface="Times New Roman" panose="02020603050405020304" pitchFamily="18" charset="0"/>
-                      </a:endParaRPr>
-                    </a:p>
-                  </a:txBody>
-                  <a:tcPr marL="68580" marR="68580" marT="0" marB="0"/>
-                </a:tc>
-                <a:extLst>
-                  <a:ext uri="{0D108BD9-81ED-4DB2-BD59-A6C34878D82A}">
-                    <a16:rowId xmlns:a16="http://schemas.microsoft.com/office/drawing/2014/main" val="10005"/>
-                  </a:ext>
-                </a:extLst>
-              </a:tr>
-              <a:tr h="380579">
-                <a:tc>
-                  <a:txBody>
-                    <a:bodyPr/>
-                    <a:lstStyle/>
-                    <a:p>
-                      <a:pPr indent="0">
-                        <a:buNone/>
-                      </a:pPr>
-                      <a:r>
-                        <a:rPr lang="en-IN" altLang="en-US" sz="1200" b="0">
-                          <a:latin typeface="Times New Roman" panose="02020603050405020304" pitchFamily="18" charset="0"/>
-                          <a:cs typeface="Times New Roman" panose="02020603050405020304" pitchFamily="18" charset="0"/>
-                        </a:rPr>
-                        <a:t>password</a:t>
-                      </a:r>
-                      <a:endParaRPr lang="en-IN" altLang="en-US" sz="1200" b="0">
-                        <a:latin typeface="Times New Roman" panose="02020603050405020304" pitchFamily="18" charset="0"/>
-                        <a:ea typeface="Times New Roman" panose="02020603050405020304" pitchFamily="18" charset="0"/>
-                        <a:cs typeface="Times New Roman" panose="02020603050405020304" pitchFamily="18" charset="0"/>
-                      </a:endParaRPr>
-                    </a:p>
-                  </a:txBody>
-                  <a:tcPr marL="68580" marR="68580" marT="0" marB="0"/>
-                </a:tc>
-                <a:tc>
-                  <a:txBody>
-                    <a:bodyPr/>
-                    <a:lstStyle/>
-                    <a:p>
-                      <a:pPr indent="0">
-                        <a:buNone/>
-                      </a:pPr>
-                      <a:r>
                         <a:rPr lang="en-US" sz="1200" b="0" dirty="0" err="1">
                           <a:latin typeface="Times New Roman" panose="02020603050405020304" pitchFamily="18" charset="0"/>
                           <a:cs typeface="Times New Roman" panose="02020603050405020304" pitchFamily="18" charset="0"/>
@@ -6626,7 +6626,7 @@
                 </a:tc>
                 <a:extLst>
                   <a:ext uri="{0D108BD9-81ED-4DB2-BD59-A6C34878D82A}">
-                    <a16:rowId xmlns:a16="http://schemas.microsoft.com/office/drawing/2014/main" val="10006"/>
+                    <a16:rowId xmlns:a16="http://schemas.microsoft.com/office/drawing/2014/main" xmlns="" val="10006"/>
                   </a:ext>
                 </a:extLst>
               </a:tr>
@@ -6715,28 +6715,28 @@
                 <a:gridCol w="1466533">
                   <a:extLst>
                     <a:ext uri="{9D8B030D-6E8A-4147-A177-3AD203B41FA5}">
-                      <a16:colId xmlns:a16="http://schemas.microsoft.com/office/drawing/2014/main" val="20000"/>
+                      <a16:colId xmlns:a16="http://schemas.microsoft.com/office/drawing/2014/main" xmlns="" val="20000"/>
                     </a:ext>
                   </a:extLst>
                 </a:gridCol>
                 <a:gridCol w="1466533">
                   <a:extLst>
                     <a:ext uri="{9D8B030D-6E8A-4147-A177-3AD203B41FA5}">
-                      <a16:colId xmlns:a16="http://schemas.microsoft.com/office/drawing/2014/main" val="20001"/>
+                      <a16:colId xmlns:a16="http://schemas.microsoft.com/office/drawing/2014/main" xmlns="" val="20001"/>
                     </a:ext>
                   </a:extLst>
                 </a:gridCol>
                 <a:gridCol w="1467167">
                   <a:extLst>
                     <a:ext uri="{9D8B030D-6E8A-4147-A177-3AD203B41FA5}">
-                      <a16:colId xmlns:a16="http://schemas.microsoft.com/office/drawing/2014/main" val="20002"/>
+                      <a16:colId xmlns:a16="http://schemas.microsoft.com/office/drawing/2014/main" xmlns="" val="20002"/>
                     </a:ext>
                   </a:extLst>
                 </a:gridCol>
                 <a:gridCol w="1467167">
                   <a:extLst>
                     <a:ext uri="{9D8B030D-6E8A-4147-A177-3AD203B41FA5}">
-                      <a16:colId xmlns:a16="http://schemas.microsoft.com/office/drawing/2014/main" val="20003"/>
+                      <a16:colId xmlns:a16="http://schemas.microsoft.com/office/drawing/2014/main" xmlns="" val="20003"/>
                     </a:ext>
                   </a:extLst>
                 </a:gridCol>
@@ -6751,11 +6751,35 @@
                         <a:buNone/>
                       </a:pPr>
                       <a:r>
+                        <a:rPr lang="en-US" sz="1200" b="1" dirty="0">
+                          <a:latin typeface="Times New Roman" panose="02020603050405020304" pitchFamily="18" charset="0"/>
+                          <a:cs typeface="Times New Roman" panose="02020603050405020304" pitchFamily="18" charset="0"/>
+                        </a:rPr>
+                        <a:t>FIELD </a:t>
+                      </a:r>
+                      <a:endParaRPr lang="en-US" sz="1200" b="1" dirty="0">
+                        <a:latin typeface="Times New Roman" panose="02020603050405020304" pitchFamily="18" charset="0"/>
+                        <a:ea typeface="Times New Roman" panose="02020603050405020304" pitchFamily="18" charset="0"/>
+                        <a:cs typeface="Times New Roman" panose="02020603050405020304" pitchFamily="18" charset="0"/>
+                      </a:endParaRPr>
+                    </a:p>
+                  </a:txBody>
+                  <a:tcPr marL="68580" marR="68580" marT="0" marB="0"/>
+                </a:tc>
+                <a:tc>
+                  <a:txBody>
+                    <a:bodyPr/>
+                    <a:lstStyle/>
+                    <a:p>
+                      <a:pPr indent="0">
+                        <a:buNone/>
+                      </a:pPr>
+                      <a:r>
                         <a:rPr lang="en-US" sz="1200" b="1">
                           <a:latin typeface="Times New Roman" panose="02020603050405020304" pitchFamily="18" charset="0"/>
                           <a:cs typeface="Times New Roman" panose="02020603050405020304" pitchFamily="18" charset="0"/>
                         </a:rPr>
-                        <a:t>FIELD </a:t>
+                        <a:t>DATA TYPE</a:t>
                       </a:r>
                       <a:endParaRPr lang="en-US" sz="1200" b="1">
                         <a:latin typeface="Times New Roman" panose="02020603050405020304" pitchFamily="18" charset="0"/>
@@ -6779,7 +6803,7 @@
                           <a:latin typeface="Times New Roman" panose="02020603050405020304" pitchFamily="18" charset="0"/>
                           <a:cs typeface="Times New Roman" panose="02020603050405020304" pitchFamily="18" charset="0"/>
                         </a:rPr>
-                        <a:t>DATA TYPE</a:t>
+                        <a:t>SIZE</a:t>
                       </a:r>
                       <a:endParaRPr lang="en-US" sz="1200" b="1">
                         <a:latin typeface="Times New Roman" panose="02020603050405020304" pitchFamily="18" charset="0"/>
@@ -6803,7 +6827,7 @@
                           <a:latin typeface="Times New Roman" panose="02020603050405020304" pitchFamily="18" charset="0"/>
                           <a:cs typeface="Times New Roman" panose="02020603050405020304" pitchFamily="18" charset="0"/>
                         </a:rPr>
-                        <a:t>SIZE</a:t>
+                        <a:t>CONSTRAINT</a:t>
                       </a:r>
                       <a:endParaRPr lang="en-US" sz="1200" b="1">
                         <a:latin typeface="Times New Roman" panose="02020603050405020304" pitchFamily="18" charset="0"/>
@@ -6814,22 +6838,36 @@
                   </a:txBody>
                   <a:tcPr marL="68580" marR="68580" marT="0" marB="0"/>
                 </a:tc>
-                <a:tc>
-                  <a:txBody>
-                    <a:bodyPr/>
-                    <a:lstStyle/>
-                    <a:p>
-                      <a:pPr indent="0">
-                        <a:buNone/>
-                      </a:pPr>
-                      <a:r>
-                        <a:rPr lang="en-US" sz="1200" b="1">
-                          <a:latin typeface="Times New Roman" panose="02020603050405020304" pitchFamily="18" charset="0"/>
-                          <a:cs typeface="Times New Roman" panose="02020603050405020304" pitchFamily="18" charset="0"/>
-                        </a:rPr>
-                        <a:t>CONSTRAINT</a:t>
-                      </a:r>
-                      <a:endParaRPr lang="en-US" sz="1200" b="1">
+                <a:extLst>
+                  <a:ext uri="{0D108BD9-81ED-4DB2-BD59-A6C34878D82A}">
+                    <a16:rowId xmlns:a16="http://schemas.microsoft.com/office/drawing/2014/main" xmlns="" val="10000"/>
+                  </a:ext>
+                </a:extLst>
+              </a:tr>
+              <a:tr h="380365">
+                <a:tc>
+                  <a:txBody>
+                    <a:bodyPr/>
+                    <a:lstStyle/>
+                    <a:p>
+                      <a:pPr indent="0">
+                        <a:buNone/>
+                      </a:pPr>
+                      <a:r>
+                        <a:rPr lang="en-IN" altLang="en-US" sz="1200" b="0" dirty="0">
+                          <a:latin typeface="Times New Roman" panose="02020603050405020304" pitchFamily="18" charset="0"/>
+                          <a:cs typeface="Times New Roman" panose="02020603050405020304" pitchFamily="18" charset="0"/>
+                        </a:rPr>
+                        <a:t>appointment</a:t>
+                      </a:r>
+                      <a:r>
+                        <a:rPr lang="en-US" sz="1200" b="0" dirty="0">
+                          <a:latin typeface="Times New Roman" panose="02020603050405020304" pitchFamily="18" charset="0"/>
+                          <a:cs typeface="Times New Roman" panose="02020603050405020304" pitchFamily="18" charset="0"/>
+                        </a:rPr>
+                        <a:t>id</a:t>
+                      </a:r>
+                      <a:endParaRPr lang="en-US" sz="1200" b="0" dirty="0">
                         <a:latin typeface="Times New Roman" panose="02020603050405020304" pitchFamily="18" charset="0"/>
                         <a:ea typeface="Times New Roman" panose="02020603050405020304" pitchFamily="18" charset="0"/>
                         <a:cs typeface="Times New Roman" panose="02020603050405020304" pitchFamily="18" charset="0"/>
@@ -6838,34 +6876,44 @@
                   </a:txBody>
                   <a:tcPr marL="68580" marR="68580" marT="0" marB="0"/>
                 </a:tc>
-                <a:extLst>
-                  <a:ext uri="{0D108BD9-81ED-4DB2-BD59-A6C34878D82A}">
-                    <a16:rowId xmlns:a16="http://schemas.microsoft.com/office/drawing/2014/main" val="10000"/>
-                  </a:ext>
-                </a:extLst>
-              </a:tr>
-              <a:tr h="380365">
-                <a:tc>
-                  <a:txBody>
-                    <a:bodyPr/>
-                    <a:lstStyle/>
-                    <a:p>
-                      <a:pPr indent="0">
-                        <a:buNone/>
-                      </a:pPr>
-                      <a:r>
-                        <a:rPr lang="en-IN" altLang="en-US" sz="1200" b="0">
-                          <a:latin typeface="Times New Roman" panose="02020603050405020304" pitchFamily="18" charset="0"/>
-                          <a:cs typeface="Times New Roman" panose="02020603050405020304" pitchFamily="18" charset="0"/>
-                        </a:rPr>
-                        <a:t>appointment</a:t>
-                      </a:r>
+                <a:tc>
+                  <a:txBody>
+                    <a:bodyPr/>
+                    <a:lstStyle/>
+                    <a:p>
+                      <a:pPr indent="0">
+                        <a:buNone/>
+                      </a:pPr>
+                      <a:r>
+                        <a:rPr lang="en-US" sz="1200" b="0" dirty="0" err="1">
+                          <a:latin typeface="Times New Roman" panose="02020603050405020304" pitchFamily="18" charset="0"/>
+                          <a:cs typeface="Times New Roman" panose="02020603050405020304" pitchFamily="18" charset="0"/>
+                        </a:rPr>
+                        <a:t>Int</a:t>
+                      </a:r>
+                      <a:endParaRPr lang="en-US" sz="1200" b="0" dirty="0">
+                        <a:latin typeface="Times New Roman" panose="02020603050405020304" pitchFamily="18" charset="0"/>
+                        <a:ea typeface="Times New Roman" panose="02020603050405020304" pitchFamily="18" charset="0"/>
+                        <a:cs typeface="Times New Roman" panose="02020603050405020304" pitchFamily="18" charset="0"/>
+                      </a:endParaRPr>
+                    </a:p>
+                  </a:txBody>
+                  <a:tcPr marL="68580" marR="68580" marT="0" marB="0"/>
+                </a:tc>
+                <a:tc>
+                  <a:txBody>
+                    <a:bodyPr/>
+                    <a:lstStyle/>
+                    <a:p>
+                      <a:pPr indent="0">
+                        <a:buNone/>
+                      </a:pPr>
                       <a:r>
                         <a:rPr lang="en-US" sz="1200" b="0">
                           <a:latin typeface="Times New Roman" panose="02020603050405020304" pitchFamily="18" charset="0"/>
                           <a:cs typeface="Times New Roman" panose="02020603050405020304" pitchFamily="18" charset="0"/>
                         </a:rPr>
-                        <a:t>id</a:t>
+                        <a:t>10</a:t>
                       </a:r>
                       <a:endParaRPr lang="en-US" sz="1200" b="0">
                         <a:latin typeface="Times New Roman" panose="02020603050405020304" pitchFamily="18" charset="0"/>
@@ -6889,7 +6937,7 @@
                           <a:latin typeface="Times New Roman" panose="02020603050405020304" pitchFamily="18" charset="0"/>
                           <a:cs typeface="Times New Roman" panose="02020603050405020304" pitchFamily="18" charset="0"/>
                         </a:rPr>
-                        <a:t>Int</a:t>
+                        <a:t>Primary key</a:t>
                       </a:r>
                       <a:endParaRPr lang="en-US" sz="1200" b="0">
                         <a:latin typeface="Times New Roman" panose="02020603050405020304" pitchFamily="18" charset="0"/>
@@ -6900,6 +6948,292 @@
                   </a:txBody>
                   <a:tcPr marL="68580" marR="68580" marT="0" marB="0"/>
                 </a:tc>
+                <a:extLst>
+                  <a:ext uri="{0D108BD9-81ED-4DB2-BD59-A6C34878D82A}">
+                    <a16:rowId xmlns:a16="http://schemas.microsoft.com/office/drawing/2014/main" xmlns="" val="10001"/>
+                  </a:ext>
+                </a:extLst>
+              </a:tr>
+              <a:tr h="380579">
+                <a:tc>
+                  <a:txBody>
+                    <a:bodyPr/>
+                    <a:lstStyle/>
+                    <a:p>
+                      <a:pPr indent="0">
+                        <a:buNone/>
+                      </a:pPr>
+                      <a:r>
+                        <a:rPr lang="en-IN" altLang="en-US" sz="1200" b="0">
+                          <a:latin typeface="Times New Roman" panose="02020603050405020304" pitchFamily="18" charset="0"/>
+                          <a:cs typeface="Times New Roman" panose="02020603050405020304" pitchFamily="18" charset="0"/>
+                        </a:rPr>
+                        <a:t>doctor id</a:t>
+                      </a:r>
+                      <a:endParaRPr lang="en-IN" altLang="en-US" sz="1200" b="0">
+                        <a:latin typeface="Times New Roman" panose="02020603050405020304" pitchFamily="18" charset="0"/>
+                        <a:ea typeface="Times New Roman" panose="02020603050405020304" pitchFamily="18" charset="0"/>
+                        <a:cs typeface="Times New Roman" panose="02020603050405020304" pitchFamily="18" charset="0"/>
+                      </a:endParaRPr>
+                    </a:p>
+                  </a:txBody>
+                  <a:tcPr marL="68580" marR="68580" marT="0" marB="0"/>
+                </a:tc>
+                <a:tc>
+                  <a:txBody>
+                    <a:bodyPr/>
+                    <a:lstStyle/>
+                    <a:p>
+                      <a:pPr indent="0">
+                        <a:buNone/>
+                      </a:pPr>
+                      <a:r>
+                        <a:rPr lang="en-IN" altLang="en-US" sz="1200" b="0" dirty="0" err="1">
+                          <a:latin typeface="Times New Roman" panose="02020603050405020304" pitchFamily="18" charset="0"/>
+                          <a:ea typeface="Times New Roman" panose="02020603050405020304" pitchFamily="18" charset="0"/>
+                          <a:cs typeface="Times New Roman" panose="02020603050405020304" pitchFamily="18" charset="0"/>
+                        </a:rPr>
+                        <a:t>Int</a:t>
+                      </a:r>
+                      <a:endParaRPr lang="en-IN" altLang="en-US" sz="1200" b="0" dirty="0">
+                        <a:latin typeface="Times New Roman" panose="02020603050405020304" pitchFamily="18" charset="0"/>
+                        <a:ea typeface="Times New Roman" panose="02020603050405020304" pitchFamily="18" charset="0"/>
+                        <a:cs typeface="Times New Roman" panose="02020603050405020304" pitchFamily="18" charset="0"/>
+                      </a:endParaRPr>
+                    </a:p>
+                  </a:txBody>
+                  <a:tcPr marL="68580" marR="68580" marT="0" marB="0"/>
+                </a:tc>
+                <a:tc>
+                  <a:txBody>
+                    <a:bodyPr/>
+                    <a:lstStyle/>
+                    <a:p>
+                      <a:pPr indent="0">
+                        <a:buNone/>
+                      </a:pPr>
+                      <a:r>
+                        <a:rPr lang="en-IN" altLang="en-US" sz="1200" b="0">
+                          <a:latin typeface="Times New Roman" panose="02020603050405020304" pitchFamily="18" charset="0"/>
+                          <a:cs typeface="Times New Roman" panose="02020603050405020304" pitchFamily="18" charset="0"/>
+                        </a:rPr>
+                        <a:t>10</a:t>
+                      </a:r>
+                      <a:endParaRPr lang="en-IN" altLang="en-US" sz="1200" b="0">
+                        <a:latin typeface="Times New Roman" panose="02020603050405020304" pitchFamily="18" charset="0"/>
+                        <a:ea typeface="Times New Roman" panose="02020603050405020304" pitchFamily="18" charset="0"/>
+                        <a:cs typeface="Times New Roman" panose="02020603050405020304" pitchFamily="18" charset="0"/>
+                      </a:endParaRPr>
+                    </a:p>
+                  </a:txBody>
+                  <a:tcPr marL="68580" marR="68580" marT="0" marB="0"/>
+                </a:tc>
+                <a:tc>
+                  <a:txBody>
+                    <a:bodyPr/>
+                    <a:lstStyle/>
+                    <a:p>
+                      <a:pPr indent="0">
+                        <a:buNone/>
+                      </a:pPr>
+                      <a:r>
+                        <a:rPr lang="en-IN" altLang="en-US" sz="1200" b="0">
+                          <a:latin typeface="Times New Roman" panose="02020603050405020304" pitchFamily="18" charset="0"/>
+                          <a:cs typeface="Times New Roman" panose="02020603050405020304" pitchFamily="18" charset="0"/>
+                        </a:rPr>
+                        <a:t>Foreign Key</a:t>
+                      </a:r>
+                      <a:endParaRPr lang="en-IN" altLang="en-US" sz="1200" b="0">
+                        <a:latin typeface="Times New Roman" panose="02020603050405020304" pitchFamily="18" charset="0"/>
+                        <a:ea typeface="Times New Roman" panose="02020603050405020304" pitchFamily="18" charset="0"/>
+                        <a:cs typeface="Times New Roman" panose="02020603050405020304" pitchFamily="18" charset="0"/>
+                      </a:endParaRPr>
+                    </a:p>
+                  </a:txBody>
+                  <a:tcPr marL="68580" marR="68580" marT="0" marB="0"/>
+                </a:tc>
+                <a:extLst>
+                  <a:ext uri="{0D108BD9-81ED-4DB2-BD59-A6C34878D82A}">
+                    <a16:rowId xmlns:a16="http://schemas.microsoft.com/office/drawing/2014/main" xmlns="" val="10002"/>
+                  </a:ext>
+                </a:extLst>
+              </a:tr>
+              <a:tr h="380579">
+                <a:tc>
+                  <a:txBody>
+                    <a:bodyPr/>
+                    <a:lstStyle/>
+                    <a:p>
+                      <a:pPr indent="0">
+                        <a:buNone/>
+                      </a:pPr>
+                      <a:r>
+                        <a:rPr lang="en-IN" altLang="en-US" sz="1200" b="0">
+                          <a:latin typeface="Times New Roman" panose="02020603050405020304" pitchFamily="18" charset="0"/>
+                          <a:cs typeface="Times New Roman" panose="02020603050405020304" pitchFamily="18" charset="0"/>
+                        </a:rPr>
+                        <a:t>Patient Id</a:t>
+                      </a:r>
+                      <a:endParaRPr lang="en-IN" altLang="en-US" sz="1200" b="0">
+                        <a:latin typeface="Times New Roman" panose="02020603050405020304" pitchFamily="18" charset="0"/>
+                        <a:ea typeface="Times New Roman" panose="02020603050405020304" pitchFamily="18" charset="0"/>
+                        <a:cs typeface="Times New Roman" panose="02020603050405020304" pitchFamily="18" charset="0"/>
+                      </a:endParaRPr>
+                    </a:p>
+                  </a:txBody>
+                  <a:tcPr marL="68580" marR="68580" marT="0" marB="0"/>
+                </a:tc>
+                <a:tc>
+                  <a:txBody>
+                    <a:bodyPr/>
+                    <a:lstStyle/>
+                    <a:p>
+                      <a:pPr indent="0">
+                        <a:buNone/>
+                      </a:pPr>
+                      <a:r>
+                        <a:rPr lang="en-IN" altLang="en-US" sz="1200" b="0" dirty="0" err="1">
+                          <a:latin typeface="Times New Roman" panose="02020603050405020304" pitchFamily="18" charset="0"/>
+                          <a:cs typeface="Times New Roman" panose="02020603050405020304" pitchFamily="18" charset="0"/>
+                        </a:rPr>
+                        <a:t>Int</a:t>
+                      </a:r>
+                      <a:endParaRPr lang="en-IN" altLang="en-US" sz="1200" b="0" dirty="0">
+                        <a:latin typeface="Times New Roman" panose="02020603050405020304" pitchFamily="18" charset="0"/>
+                        <a:ea typeface="Times New Roman" panose="02020603050405020304" pitchFamily="18" charset="0"/>
+                        <a:cs typeface="Times New Roman" panose="02020603050405020304" pitchFamily="18" charset="0"/>
+                      </a:endParaRPr>
+                    </a:p>
+                  </a:txBody>
+                  <a:tcPr marL="68580" marR="68580" marT="0" marB="0"/>
+                </a:tc>
+                <a:tc>
+                  <a:txBody>
+                    <a:bodyPr/>
+                    <a:lstStyle/>
+                    <a:p>
+                      <a:pPr indent="0">
+                        <a:buNone/>
+                      </a:pPr>
+                      <a:r>
+                        <a:rPr lang="en-IN" altLang="en-US" sz="1200" b="0" dirty="0">
+                          <a:latin typeface="Times New Roman" panose="02020603050405020304" pitchFamily="18" charset="0"/>
+                          <a:cs typeface="Times New Roman" panose="02020603050405020304" pitchFamily="18" charset="0"/>
+                        </a:rPr>
+                        <a:t>10</a:t>
+                      </a:r>
+                      <a:endParaRPr lang="en-IN" altLang="en-US" sz="1200" b="0" dirty="0">
+                        <a:latin typeface="Times New Roman" panose="02020603050405020304" pitchFamily="18" charset="0"/>
+                        <a:ea typeface="Times New Roman" panose="02020603050405020304" pitchFamily="18" charset="0"/>
+                        <a:cs typeface="Times New Roman" panose="02020603050405020304" pitchFamily="18" charset="0"/>
+                      </a:endParaRPr>
+                    </a:p>
+                  </a:txBody>
+                  <a:tcPr marL="68580" marR="68580" marT="0" marB="0"/>
+                </a:tc>
+                <a:tc>
+                  <a:txBody>
+                    <a:bodyPr/>
+                    <a:lstStyle/>
+                    <a:p>
+                      <a:pPr indent="0">
+                        <a:buNone/>
+                      </a:pPr>
+                      <a:r>
+                        <a:rPr lang="en-IN" altLang="en-US" sz="1200" b="0">
+                          <a:latin typeface="Times New Roman" panose="02020603050405020304" pitchFamily="18" charset="0"/>
+                          <a:cs typeface="Times New Roman" panose="02020603050405020304" pitchFamily="18" charset="0"/>
+                        </a:rPr>
+                        <a:t>Foreign Key</a:t>
+                      </a:r>
+                      <a:endParaRPr lang="en-IN" altLang="en-US" sz="1200" b="0">
+                        <a:latin typeface="Times New Roman" panose="02020603050405020304" pitchFamily="18" charset="0"/>
+                        <a:ea typeface="Times New Roman" panose="02020603050405020304" pitchFamily="18" charset="0"/>
+                        <a:cs typeface="Times New Roman" panose="02020603050405020304" pitchFamily="18" charset="0"/>
+                      </a:endParaRPr>
+                    </a:p>
+                  </a:txBody>
+                  <a:tcPr marL="68580" marR="68580" marT="0" marB="0"/>
+                </a:tc>
+                <a:extLst>
+                  <a:ext uri="{0D108BD9-81ED-4DB2-BD59-A6C34878D82A}">
+                    <a16:rowId xmlns:a16="http://schemas.microsoft.com/office/drawing/2014/main" xmlns="" val="10003"/>
+                  </a:ext>
+                </a:extLst>
+              </a:tr>
+              <a:tr h="380579">
+                <a:tc>
+                  <a:txBody>
+                    <a:bodyPr/>
+                    <a:lstStyle/>
+                    <a:p>
+                      <a:pPr indent="0">
+                        <a:buNone/>
+                      </a:pPr>
+                      <a:r>
+                        <a:rPr lang="en-IN" altLang="en-US" sz="1200" b="0">
+                          <a:latin typeface="Times New Roman" panose="02020603050405020304" pitchFamily="18" charset="0"/>
+                          <a:cs typeface="Times New Roman" panose="02020603050405020304" pitchFamily="18" charset="0"/>
+                        </a:rPr>
+                        <a:t>Appointment Date</a:t>
+                      </a:r>
+                      <a:endParaRPr lang="en-IN" altLang="en-US" sz="1200" b="0">
+                        <a:latin typeface="Times New Roman" panose="02020603050405020304" pitchFamily="18" charset="0"/>
+                        <a:ea typeface="Times New Roman" panose="02020603050405020304" pitchFamily="18" charset="0"/>
+                        <a:cs typeface="Times New Roman" panose="02020603050405020304" pitchFamily="18" charset="0"/>
+                      </a:endParaRPr>
+                    </a:p>
+                  </a:txBody>
+                  <a:tcPr marL="68580" marR="68580" marT="0" marB="0"/>
+                </a:tc>
+                <a:tc>
+                  <a:txBody>
+                    <a:bodyPr/>
+                    <a:lstStyle/>
+                    <a:p>
+                      <a:pPr indent="0">
+                        <a:buNone/>
+                      </a:pPr>
+                      <a:r>
+                        <a:rPr lang="en-IN" altLang="en-US" sz="1200" b="0" dirty="0">
+                          <a:latin typeface="Times New Roman" panose="02020603050405020304" pitchFamily="18" charset="0"/>
+                          <a:cs typeface="Times New Roman" panose="02020603050405020304" pitchFamily="18" charset="0"/>
+                        </a:rPr>
+                        <a:t>Date</a:t>
+                      </a:r>
+                      <a:endParaRPr lang="en-IN" altLang="en-US" sz="1200" b="0" dirty="0">
+                        <a:latin typeface="Times New Roman" panose="02020603050405020304" pitchFamily="18" charset="0"/>
+                        <a:ea typeface="Times New Roman" panose="02020603050405020304" pitchFamily="18" charset="0"/>
+                        <a:cs typeface="Times New Roman" panose="02020603050405020304" pitchFamily="18" charset="0"/>
+                      </a:endParaRPr>
+                    </a:p>
+                  </a:txBody>
+                  <a:tcPr marL="68580" marR="68580" marT="0" marB="0"/>
+                </a:tc>
+                <a:tc>
+                  <a:txBody>
+                    <a:bodyPr/>
+                    <a:lstStyle/>
+                    <a:p>
+                      <a:pPr indent="0">
+                        <a:buNone/>
+                      </a:pPr>
+                      <a:r>
+                        <a:rPr lang="en-US" sz="1200" b="0" dirty="0">
+                          <a:latin typeface="Times New Roman" panose="02020603050405020304" pitchFamily="18" charset="0"/>
+                          <a:cs typeface="Times New Roman" panose="02020603050405020304" pitchFamily="18" charset="0"/>
+                        </a:rPr>
+                        <a:t>10</a:t>
+                      </a:r>
+                      <a:endParaRPr lang="en-US" sz="1200" b="0" dirty="0">
+                        <a:latin typeface="Times New Roman" panose="02020603050405020304" pitchFamily="18" charset="0"/>
+                        <a:ea typeface="Times New Roman" panose="02020603050405020304" pitchFamily="18" charset="0"/>
+                        <a:cs typeface="Times New Roman" panose="02020603050405020304" pitchFamily="18" charset="0"/>
+                      </a:endParaRPr>
+                    </a:p>
+                  </a:txBody>
+                  <a:tcPr marL="68580" marR="68580" marT="0" marB="0"/>
+                </a:tc>
                 <a:tc>
                   <a:txBody>
                     <a:bodyPr/>
@@ -6913,7 +7247,7 @@
                           <a:latin typeface="Times New Roman" panose="02020603050405020304" pitchFamily="18" charset="0"/>
                           <a:cs typeface="Times New Roman" panose="02020603050405020304" pitchFamily="18" charset="0"/>
                         </a:rPr>
-                        <a:t>10</a:t>
+                        <a:t>Not null</a:t>
                       </a:r>
                       <a:endParaRPr lang="en-US" sz="1200" b="0">
                         <a:latin typeface="Times New Roman" panose="02020603050405020304" pitchFamily="18" charset="0"/>
@@ -6924,33 +7258,9 @@
                   </a:txBody>
                   <a:tcPr marL="68580" marR="68580" marT="0" marB="0"/>
                 </a:tc>
-                <a:tc>
-                  <a:txBody>
-                    <a:bodyPr/>
-                    <a:lstStyle/>
-                    <a:p>
-                      <a:pPr indent="0">
-                        <a:buNone/>
-                      </a:pPr>
-                      <a:r>
-                        <a:rPr lang="en-US" sz="1200" b="0">
-                          <a:latin typeface="Times New Roman" panose="02020603050405020304" pitchFamily="18" charset="0"/>
-                          <a:cs typeface="Times New Roman" panose="02020603050405020304" pitchFamily="18" charset="0"/>
-                        </a:rPr>
-                        <a:t>Primary key</a:t>
-                      </a:r>
-                      <a:endParaRPr lang="en-US" sz="1200" b="0">
-                        <a:latin typeface="Times New Roman" panose="02020603050405020304" pitchFamily="18" charset="0"/>
-                        <a:ea typeface="Times New Roman" panose="02020603050405020304" pitchFamily="18" charset="0"/>
-                        <a:cs typeface="Times New Roman" panose="02020603050405020304" pitchFamily="18" charset="0"/>
-                      </a:endParaRPr>
-                    </a:p>
-                  </a:txBody>
-                  <a:tcPr marL="68580" marR="68580" marT="0" marB="0"/>
-                </a:tc>
                 <a:extLst>
                   <a:ext uri="{0D108BD9-81ED-4DB2-BD59-A6C34878D82A}">
-                    <a16:rowId xmlns:a16="http://schemas.microsoft.com/office/drawing/2014/main" val="10001"/>
+                    <a16:rowId xmlns:a16="http://schemas.microsoft.com/office/drawing/2014/main" xmlns="" val="10004"/>
                   </a:ext>
                 </a:extLst>
               </a:tr>
@@ -6968,7 +7278,7 @@
                           <a:latin typeface="Times New Roman" panose="02020603050405020304" pitchFamily="18" charset="0"/>
                           <a:cs typeface="Times New Roman" panose="02020603050405020304" pitchFamily="18" charset="0"/>
                         </a:rPr>
-                        <a:t>doctor id</a:t>
+                        <a:t>Token</a:t>
                       </a:r>
                       <a:endParaRPr lang="en-IN" altLang="en-US" sz="1200" b="0">
                         <a:latin typeface="Times New Roman" panose="02020603050405020304" pitchFamily="18" charset="0"/>
@@ -6988,12 +7298,35 @@
                         <a:buNone/>
                       </a:pPr>
                       <a:r>
-                        <a:rPr lang="en-IN" altLang="en-US" sz="1200" b="0" dirty="0" err="1">
-                          <a:latin typeface="Times New Roman" panose="02020603050405020304" pitchFamily="18" charset="0"/>
-                          <a:ea typeface="Times New Roman" panose="02020603050405020304" pitchFamily="18" charset="0"/>
+                        <a:rPr lang="en-IN" altLang="en-US" sz="1200" b="0">
+                          <a:latin typeface="Times New Roman" panose="02020603050405020304" pitchFamily="18" charset="0"/>
                           <a:cs typeface="Times New Roman" panose="02020603050405020304" pitchFamily="18" charset="0"/>
                         </a:rPr>
                         <a:t>Int</a:t>
+                      </a:r>
+                      <a:endParaRPr lang="en-IN" altLang="en-US" sz="1200" b="0">
+                        <a:latin typeface="Times New Roman" panose="02020603050405020304" pitchFamily="18" charset="0"/>
+                        <a:ea typeface="Times New Roman" panose="02020603050405020304" pitchFamily="18" charset="0"/>
+                        <a:cs typeface="Times New Roman" panose="02020603050405020304" pitchFamily="18" charset="0"/>
+                      </a:endParaRPr>
+                    </a:p>
+                  </a:txBody>
+                  <a:tcPr marL="68580" marR="68580" marT="0" marB="0"/>
+                </a:tc>
+                <a:tc>
+                  <a:txBody>
+                    <a:bodyPr/>
+                    <a:lstStyle/>
+                    <a:p>
+                      <a:pPr indent="0">
+                        <a:buNone/>
+                      </a:pPr>
+                      <a:r>
+                        <a:rPr lang="en-IN" altLang="en-US" sz="1200" b="0" dirty="0">
+                          <a:latin typeface="Times New Roman" panose="02020603050405020304" pitchFamily="18" charset="0"/>
+                          <a:cs typeface="Times New Roman" panose="02020603050405020304" pitchFamily="18" charset="0"/>
+                        </a:rPr>
+                        <a:t>10</a:t>
                       </a:r>
                       <a:endParaRPr lang="en-IN" altLang="en-US" sz="1200" b="0" dirty="0">
                         <a:latin typeface="Times New Roman" panose="02020603050405020304" pitchFamily="18" charset="0"/>
@@ -7013,339 +7346,6 @@
                         <a:buNone/>
                       </a:pPr>
                       <a:r>
-                        <a:rPr lang="en-IN" altLang="en-US" sz="1200" b="0">
-                          <a:latin typeface="Times New Roman" panose="02020603050405020304" pitchFamily="18" charset="0"/>
-                          <a:cs typeface="Times New Roman" panose="02020603050405020304" pitchFamily="18" charset="0"/>
-                        </a:rPr>
-                        <a:t>10</a:t>
-                      </a:r>
-                      <a:endParaRPr lang="en-IN" altLang="en-US" sz="1200" b="0">
-                        <a:latin typeface="Times New Roman" panose="02020603050405020304" pitchFamily="18" charset="0"/>
-                        <a:ea typeface="Times New Roman" panose="02020603050405020304" pitchFamily="18" charset="0"/>
-                        <a:cs typeface="Times New Roman" panose="02020603050405020304" pitchFamily="18" charset="0"/>
-                      </a:endParaRPr>
-                    </a:p>
-                  </a:txBody>
-                  <a:tcPr marL="68580" marR="68580" marT="0" marB="0"/>
-                </a:tc>
-                <a:tc>
-                  <a:txBody>
-                    <a:bodyPr/>
-                    <a:lstStyle/>
-                    <a:p>
-                      <a:pPr indent="0">
-                        <a:buNone/>
-                      </a:pPr>
-                      <a:r>
-                        <a:rPr lang="en-IN" altLang="en-US" sz="1200" b="0">
-                          <a:latin typeface="Times New Roman" panose="02020603050405020304" pitchFamily="18" charset="0"/>
-                          <a:cs typeface="Times New Roman" panose="02020603050405020304" pitchFamily="18" charset="0"/>
-                        </a:rPr>
-                        <a:t>Foreign Key</a:t>
-                      </a:r>
-                      <a:endParaRPr lang="en-IN" altLang="en-US" sz="1200" b="0">
-                        <a:latin typeface="Times New Roman" panose="02020603050405020304" pitchFamily="18" charset="0"/>
-                        <a:ea typeface="Times New Roman" panose="02020603050405020304" pitchFamily="18" charset="0"/>
-                        <a:cs typeface="Times New Roman" panose="02020603050405020304" pitchFamily="18" charset="0"/>
-                      </a:endParaRPr>
-                    </a:p>
-                  </a:txBody>
-                  <a:tcPr marL="68580" marR="68580" marT="0" marB="0"/>
-                </a:tc>
-                <a:extLst>
-                  <a:ext uri="{0D108BD9-81ED-4DB2-BD59-A6C34878D82A}">
-                    <a16:rowId xmlns:a16="http://schemas.microsoft.com/office/drawing/2014/main" val="10002"/>
-                  </a:ext>
-                </a:extLst>
-              </a:tr>
-              <a:tr h="380579">
-                <a:tc>
-                  <a:txBody>
-                    <a:bodyPr/>
-                    <a:lstStyle/>
-                    <a:p>
-                      <a:pPr indent="0">
-                        <a:buNone/>
-                      </a:pPr>
-                      <a:r>
-                        <a:rPr lang="en-IN" altLang="en-US" sz="1200" b="0">
-                          <a:latin typeface="Times New Roman" panose="02020603050405020304" pitchFamily="18" charset="0"/>
-                          <a:cs typeface="Times New Roman" panose="02020603050405020304" pitchFamily="18" charset="0"/>
-                        </a:rPr>
-                        <a:t>Patient Id</a:t>
-                      </a:r>
-                      <a:endParaRPr lang="en-IN" altLang="en-US" sz="1200" b="0">
-                        <a:latin typeface="Times New Roman" panose="02020603050405020304" pitchFamily="18" charset="0"/>
-                        <a:ea typeface="Times New Roman" panose="02020603050405020304" pitchFamily="18" charset="0"/>
-                        <a:cs typeface="Times New Roman" panose="02020603050405020304" pitchFamily="18" charset="0"/>
-                      </a:endParaRPr>
-                    </a:p>
-                  </a:txBody>
-                  <a:tcPr marL="68580" marR="68580" marT="0" marB="0"/>
-                </a:tc>
-                <a:tc>
-                  <a:txBody>
-                    <a:bodyPr/>
-                    <a:lstStyle/>
-                    <a:p>
-                      <a:pPr indent="0">
-                        <a:buNone/>
-                      </a:pPr>
-                      <a:r>
-                        <a:rPr lang="en-IN" altLang="en-US" sz="1200" b="0">
-                          <a:latin typeface="Times New Roman" panose="02020603050405020304" pitchFamily="18" charset="0"/>
-                          <a:cs typeface="Times New Roman" panose="02020603050405020304" pitchFamily="18" charset="0"/>
-                        </a:rPr>
-                        <a:t>Int</a:t>
-                      </a:r>
-                      <a:endParaRPr lang="en-IN" altLang="en-US" sz="1200" b="0">
-                        <a:latin typeface="Times New Roman" panose="02020603050405020304" pitchFamily="18" charset="0"/>
-                        <a:ea typeface="Times New Roman" panose="02020603050405020304" pitchFamily="18" charset="0"/>
-                        <a:cs typeface="Times New Roman" panose="02020603050405020304" pitchFamily="18" charset="0"/>
-                      </a:endParaRPr>
-                    </a:p>
-                  </a:txBody>
-                  <a:tcPr marL="68580" marR="68580" marT="0" marB="0"/>
-                </a:tc>
-                <a:tc>
-                  <a:txBody>
-                    <a:bodyPr/>
-                    <a:lstStyle/>
-                    <a:p>
-                      <a:pPr indent="0">
-                        <a:buNone/>
-                      </a:pPr>
-                      <a:r>
-                        <a:rPr lang="en-IN" altLang="en-US" sz="1200" b="0">
-                          <a:latin typeface="Times New Roman" panose="02020603050405020304" pitchFamily="18" charset="0"/>
-                          <a:cs typeface="Times New Roman" panose="02020603050405020304" pitchFamily="18" charset="0"/>
-                        </a:rPr>
-                        <a:t>10</a:t>
-                      </a:r>
-                      <a:endParaRPr lang="en-IN" altLang="en-US" sz="1200" b="0">
-                        <a:latin typeface="Times New Roman" panose="02020603050405020304" pitchFamily="18" charset="0"/>
-                        <a:ea typeface="Times New Roman" panose="02020603050405020304" pitchFamily="18" charset="0"/>
-                        <a:cs typeface="Times New Roman" panose="02020603050405020304" pitchFamily="18" charset="0"/>
-                      </a:endParaRPr>
-                    </a:p>
-                  </a:txBody>
-                  <a:tcPr marL="68580" marR="68580" marT="0" marB="0"/>
-                </a:tc>
-                <a:tc>
-                  <a:txBody>
-                    <a:bodyPr/>
-                    <a:lstStyle/>
-                    <a:p>
-                      <a:pPr indent="0">
-                        <a:buNone/>
-                      </a:pPr>
-                      <a:r>
-                        <a:rPr lang="en-IN" altLang="en-US" sz="1200" b="0">
-                          <a:latin typeface="Times New Roman" panose="02020603050405020304" pitchFamily="18" charset="0"/>
-                          <a:cs typeface="Times New Roman" panose="02020603050405020304" pitchFamily="18" charset="0"/>
-                        </a:rPr>
-                        <a:t>Foreign Key</a:t>
-                      </a:r>
-                      <a:endParaRPr lang="en-IN" altLang="en-US" sz="1200" b="0">
-                        <a:latin typeface="Times New Roman" panose="02020603050405020304" pitchFamily="18" charset="0"/>
-                        <a:ea typeface="Times New Roman" panose="02020603050405020304" pitchFamily="18" charset="0"/>
-                        <a:cs typeface="Times New Roman" panose="02020603050405020304" pitchFamily="18" charset="0"/>
-                      </a:endParaRPr>
-                    </a:p>
-                  </a:txBody>
-                  <a:tcPr marL="68580" marR="68580" marT="0" marB="0"/>
-                </a:tc>
-                <a:extLst>
-                  <a:ext uri="{0D108BD9-81ED-4DB2-BD59-A6C34878D82A}">
-                    <a16:rowId xmlns:a16="http://schemas.microsoft.com/office/drawing/2014/main" val="10003"/>
-                  </a:ext>
-                </a:extLst>
-              </a:tr>
-              <a:tr h="380579">
-                <a:tc>
-                  <a:txBody>
-                    <a:bodyPr/>
-                    <a:lstStyle/>
-                    <a:p>
-                      <a:pPr indent="0">
-                        <a:buNone/>
-                      </a:pPr>
-                      <a:r>
-                        <a:rPr lang="en-IN" altLang="en-US" sz="1200" b="0">
-                          <a:latin typeface="Times New Roman" panose="02020603050405020304" pitchFamily="18" charset="0"/>
-                          <a:cs typeface="Times New Roman" panose="02020603050405020304" pitchFamily="18" charset="0"/>
-                        </a:rPr>
-                        <a:t>Appointment Date</a:t>
-                      </a:r>
-                      <a:endParaRPr lang="en-IN" altLang="en-US" sz="1200" b="0">
-                        <a:latin typeface="Times New Roman" panose="02020603050405020304" pitchFamily="18" charset="0"/>
-                        <a:ea typeface="Times New Roman" panose="02020603050405020304" pitchFamily="18" charset="0"/>
-                        <a:cs typeface="Times New Roman" panose="02020603050405020304" pitchFamily="18" charset="0"/>
-                      </a:endParaRPr>
-                    </a:p>
-                  </a:txBody>
-                  <a:tcPr marL="68580" marR="68580" marT="0" marB="0"/>
-                </a:tc>
-                <a:tc>
-                  <a:txBody>
-                    <a:bodyPr/>
-                    <a:lstStyle/>
-                    <a:p>
-                      <a:pPr indent="0">
-                        <a:buNone/>
-                      </a:pPr>
-                      <a:r>
-                        <a:rPr lang="en-IN" altLang="en-US" sz="1200" b="0" dirty="0">
-                          <a:latin typeface="Times New Roman" panose="02020603050405020304" pitchFamily="18" charset="0"/>
-                          <a:cs typeface="Times New Roman" panose="02020603050405020304" pitchFamily="18" charset="0"/>
-                        </a:rPr>
-                        <a:t>Date</a:t>
-                      </a:r>
-                      <a:endParaRPr lang="en-IN" altLang="en-US" sz="1200" b="0" dirty="0">
-                        <a:latin typeface="Times New Roman" panose="02020603050405020304" pitchFamily="18" charset="0"/>
-                        <a:ea typeface="Times New Roman" panose="02020603050405020304" pitchFamily="18" charset="0"/>
-                        <a:cs typeface="Times New Roman" panose="02020603050405020304" pitchFamily="18" charset="0"/>
-                      </a:endParaRPr>
-                    </a:p>
-                  </a:txBody>
-                  <a:tcPr marL="68580" marR="68580" marT="0" marB="0"/>
-                </a:tc>
-                <a:tc>
-                  <a:txBody>
-                    <a:bodyPr/>
-                    <a:lstStyle/>
-                    <a:p>
-                      <a:pPr indent="0">
-                        <a:buNone/>
-                      </a:pPr>
-                      <a:r>
-                        <a:rPr lang="en-US" sz="1200" b="0">
-                          <a:latin typeface="Times New Roman" panose="02020603050405020304" pitchFamily="18" charset="0"/>
-                          <a:cs typeface="Times New Roman" panose="02020603050405020304" pitchFamily="18" charset="0"/>
-                        </a:rPr>
-                        <a:t>10</a:t>
-                      </a:r>
-                      <a:endParaRPr lang="en-US" sz="1200" b="0">
-                        <a:latin typeface="Times New Roman" panose="02020603050405020304" pitchFamily="18" charset="0"/>
-                        <a:ea typeface="Times New Roman" panose="02020603050405020304" pitchFamily="18" charset="0"/>
-                        <a:cs typeface="Times New Roman" panose="02020603050405020304" pitchFamily="18" charset="0"/>
-                      </a:endParaRPr>
-                    </a:p>
-                  </a:txBody>
-                  <a:tcPr marL="68580" marR="68580" marT="0" marB="0"/>
-                </a:tc>
-                <a:tc>
-                  <a:txBody>
-                    <a:bodyPr/>
-                    <a:lstStyle/>
-                    <a:p>
-                      <a:pPr indent="0">
-                        <a:buNone/>
-                      </a:pPr>
-                      <a:r>
-                        <a:rPr lang="en-US" sz="1200" b="0">
-                          <a:latin typeface="Times New Roman" panose="02020603050405020304" pitchFamily="18" charset="0"/>
-                          <a:cs typeface="Times New Roman" panose="02020603050405020304" pitchFamily="18" charset="0"/>
-                        </a:rPr>
-                        <a:t>Not null</a:t>
-                      </a:r>
-                      <a:endParaRPr lang="en-US" sz="1200" b="0">
-                        <a:latin typeface="Times New Roman" panose="02020603050405020304" pitchFamily="18" charset="0"/>
-                        <a:ea typeface="Times New Roman" panose="02020603050405020304" pitchFamily="18" charset="0"/>
-                        <a:cs typeface="Times New Roman" panose="02020603050405020304" pitchFamily="18" charset="0"/>
-                      </a:endParaRPr>
-                    </a:p>
-                  </a:txBody>
-                  <a:tcPr marL="68580" marR="68580" marT="0" marB="0"/>
-                </a:tc>
-                <a:extLst>
-                  <a:ext uri="{0D108BD9-81ED-4DB2-BD59-A6C34878D82A}">
-                    <a16:rowId xmlns:a16="http://schemas.microsoft.com/office/drawing/2014/main" val="10004"/>
-                  </a:ext>
-                </a:extLst>
-              </a:tr>
-              <a:tr h="380579">
-                <a:tc>
-                  <a:txBody>
-                    <a:bodyPr/>
-                    <a:lstStyle/>
-                    <a:p>
-                      <a:pPr indent="0">
-                        <a:buNone/>
-                      </a:pPr>
-                      <a:r>
-                        <a:rPr lang="en-IN" altLang="en-US" sz="1200" b="0">
-                          <a:latin typeface="Times New Roman" panose="02020603050405020304" pitchFamily="18" charset="0"/>
-                          <a:cs typeface="Times New Roman" panose="02020603050405020304" pitchFamily="18" charset="0"/>
-                        </a:rPr>
-                        <a:t>Token</a:t>
-                      </a:r>
-                      <a:endParaRPr lang="en-IN" altLang="en-US" sz="1200" b="0">
-                        <a:latin typeface="Times New Roman" panose="02020603050405020304" pitchFamily="18" charset="0"/>
-                        <a:ea typeface="Times New Roman" panose="02020603050405020304" pitchFamily="18" charset="0"/>
-                        <a:cs typeface="Times New Roman" panose="02020603050405020304" pitchFamily="18" charset="0"/>
-                      </a:endParaRPr>
-                    </a:p>
-                  </a:txBody>
-                  <a:tcPr marL="68580" marR="68580" marT="0" marB="0"/>
-                </a:tc>
-                <a:tc>
-                  <a:txBody>
-                    <a:bodyPr/>
-                    <a:lstStyle/>
-                    <a:p>
-                      <a:pPr indent="0">
-                        <a:buNone/>
-                      </a:pPr>
-                      <a:r>
-                        <a:rPr lang="en-IN" altLang="en-US" sz="1200" b="0">
-                          <a:latin typeface="Times New Roman" panose="02020603050405020304" pitchFamily="18" charset="0"/>
-                          <a:cs typeface="Times New Roman" panose="02020603050405020304" pitchFamily="18" charset="0"/>
-                        </a:rPr>
-                        <a:t>Int</a:t>
-                      </a:r>
-                      <a:endParaRPr lang="en-IN" altLang="en-US" sz="1200" b="0">
-                        <a:latin typeface="Times New Roman" panose="02020603050405020304" pitchFamily="18" charset="0"/>
-                        <a:ea typeface="Times New Roman" panose="02020603050405020304" pitchFamily="18" charset="0"/>
-                        <a:cs typeface="Times New Roman" panose="02020603050405020304" pitchFamily="18" charset="0"/>
-                      </a:endParaRPr>
-                    </a:p>
-                  </a:txBody>
-                  <a:tcPr marL="68580" marR="68580" marT="0" marB="0"/>
-                </a:tc>
-                <a:tc>
-                  <a:txBody>
-                    <a:bodyPr/>
-                    <a:lstStyle/>
-                    <a:p>
-                      <a:pPr indent="0">
-                        <a:buNone/>
-                      </a:pPr>
-                      <a:r>
-                        <a:rPr lang="en-IN" altLang="en-US" sz="1200" b="0">
-                          <a:latin typeface="Times New Roman" panose="02020603050405020304" pitchFamily="18" charset="0"/>
-                          <a:cs typeface="Times New Roman" panose="02020603050405020304" pitchFamily="18" charset="0"/>
-                        </a:rPr>
-                        <a:t>10</a:t>
-                      </a:r>
-                      <a:endParaRPr lang="en-IN" altLang="en-US" sz="1200" b="0">
-                        <a:latin typeface="Times New Roman" panose="02020603050405020304" pitchFamily="18" charset="0"/>
-                        <a:ea typeface="Times New Roman" panose="02020603050405020304" pitchFamily="18" charset="0"/>
-                        <a:cs typeface="Times New Roman" panose="02020603050405020304" pitchFamily="18" charset="0"/>
-                      </a:endParaRPr>
-                    </a:p>
-                  </a:txBody>
-                  <a:tcPr marL="68580" marR="68580" marT="0" marB="0"/>
-                </a:tc>
-                <a:tc>
-                  <a:txBody>
-                    <a:bodyPr/>
-                    <a:lstStyle/>
-                    <a:p>
-                      <a:pPr indent="0">
-                        <a:buNone/>
-                      </a:pPr>
-                      <a:r>
                         <a:rPr lang="en-US" sz="1200" b="0" dirty="0">
                           <a:latin typeface="Times New Roman" panose="02020603050405020304" pitchFamily="18" charset="0"/>
                           <a:cs typeface="Times New Roman" panose="02020603050405020304" pitchFamily="18" charset="0"/>
@@ -7363,7 +7363,7 @@
                 </a:tc>
                 <a:extLst>
                   <a:ext uri="{0D108BD9-81ED-4DB2-BD59-A6C34878D82A}">
-                    <a16:rowId xmlns:a16="http://schemas.microsoft.com/office/drawing/2014/main" val="10005"/>
+                    <a16:rowId xmlns:a16="http://schemas.microsoft.com/office/drawing/2014/main" xmlns="" val="10005"/>
                   </a:ext>
                 </a:extLst>
               </a:tr>
@@ -7401,7 +7401,7 @@
           <p:cNvPr id="2" name="Title 1">
             <a:extLst>
               <a:ext uri="{FF2B5EF4-FFF2-40B4-BE49-F238E27FC236}">
-                <a16:creationId xmlns:a16="http://schemas.microsoft.com/office/drawing/2014/main" id="{A0C72ACC-45D7-396C-4F52-6DD87AE08BBC}"/>
+                <a16:creationId xmlns:a16="http://schemas.microsoft.com/office/drawing/2014/main" xmlns="" id="{A0C72ACC-45D7-396C-4F52-6DD87AE08BBC}"/>
               </a:ext>
             </a:extLst>
           </p:cNvPr>
@@ -7437,7 +7437,7 @@
           <p:cNvPr id="5" name="Content Placeholder 4">
             <a:extLst>
               <a:ext uri="{FF2B5EF4-FFF2-40B4-BE49-F238E27FC236}">
-                <a16:creationId xmlns:a16="http://schemas.microsoft.com/office/drawing/2014/main" id="{ADC1DAEE-C45E-D3CE-E4C5-6E8226D9791D}"/>
+                <a16:creationId xmlns:a16="http://schemas.microsoft.com/office/drawing/2014/main" xmlns="" id="{ADC1DAEE-C45E-D3CE-E4C5-6E8226D9791D}"/>
               </a:ext>
             </a:extLst>
           </p:cNvPr>
@@ -7502,7 +7502,7 @@
           <p:cNvPr id="2" name="Title 1">
             <a:extLst>
               <a:ext uri="{FF2B5EF4-FFF2-40B4-BE49-F238E27FC236}">
-                <a16:creationId xmlns:a16="http://schemas.microsoft.com/office/drawing/2014/main" id="{E2B0B32F-EAFC-E610-0137-1F1D32A965E8}"/>
+                <a16:creationId xmlns:a16="http://schemas.microsoft.com/office/drawing/2014/main" xmlns="" id="{E2B0B32F-EAFC-E610-0137-1F1D32A965E8}"/>
               </a:ext>
             </a:extLst>
           </p:cNvPr>
@@ -7531,7 +7531,7 @@
           <p:cNvPr id="5" name="Content Placeholder 4">
             <a:extLst>
               <a:ext uri="{FF2B5EF4-FFF2-40B4-BE49-F238E27FC236}">
-                <a16:creationId xmlns:a16="http://schemas.microsoft.com/office/drawing/2014/main" id="{0377CF0E-962C-3737-9C0D-02218364DEA5}"/>
+                <a16:creationId xmlns:a16="http://schemas.microsoft.com/office/drawing/2014/main" xmlns="" id="{0377CF0E-962C-3737-9C0D-02218364DEA5}"/>
               </a:ext>
             </a:extLst>
           </p:cNvPr>
@@ -7596,7 +7596,7 @@
           <p:cNvPr id="2" name="Title 1">
             <a:extLst>
               <a:ext uri="{FF2B5EF4-FFF2-40B4-BE49-F238E27FC236}">
-                <a16:creationId xmlns:a16="http://schemas.microsoft.com/office/drawing/2014/main" id="{1E2EDC54-64A0-69F3-CCA6-35AB15561C79}"/>
+                <a16:creationId xmlns:a16="http://schemas.microsoft.com/office/drawing/2014/main" xmlns="" id="{1E2EDC54-64A0-69F3-CCA6-35AB15561C79}"/>
               </a:ext>
             </a:extLst>
           </p:cNvPr>
@@ -7625,7 +7625,7 @@
           <p:cNvPr id="7" name="Content Placeholder 6">
             <a:extLst>
               <a:ext uri="{FF2B5EF4-FFF2-40B4-BE49-F238E27FC236}">
-                <a16:creationId xmlns:a16="http://schemas.microsoft.com/office/drawing/2014/main" id="{0FA7EB33-E923-2B76-21CA-67C553A9A0FE}"/>
+                <a16:creationId xmlns:a16="http://schemas.microsoft.com/office/drawing/2014/main" xmlns="" id="{0FA7EB33-E923-2B76-21CA-67C553A9A0FE}"/>
               </a:ext>
             </a:extLst>
           </p:cNvPr>
@@ -7690,7 +7690,7 @@
           <p:cNvPr id="2" name="Title 1">
             <a:extLst>
               <a:ext uri="{FF2B5EF4-FFF2-40B4-BE49-F238E27FC236}">
-                <a16:creationId xmlns:a16="http://schemas.microsoft.com/office/drawing/2014/main" id="{5212A9AA-ACB6-61DB-D316-AB1041163B93}"/>
+                <a16:creationId xmlns:a16="http://schemas.microsoft.com/office/drawing/2014/main" xmlns="" id="{5212A9AA-ACB6-61DB-D316-AB1041163B93}"/>
               </a:ext>
             </a:extLst>
           </p:cNvPr>
@@ -7719,7 +7719,7 @@
           <p:cNvPr id="3" name="Content Placeholder 2">
             <a:extLst>
               <a:ext uri="{FF2B5EF4-FFF2-40B4-BE49-F238E27FC236}">
-                <a16:creationId xmlns:a16="http://schemas.microsoft.com/office/drawing/2014/main" id="{AC31FA94-0A01-C568-8DEF-0F7BE8441C6B}"/>
+                <a16:creationId xmlns:a16="http://schemas.microsoft.com/office/drawing/2014/main" xmlns="" id="{AC31FA94-0A01-C568-8DEF-0F7BE8441C6B}"/>
               </a:ext>
             </a:extLst>
           </p:cNvPr>
@@ -7868,7 +7868,7 @@
           <p:cNvPr id="2" name="Title 1">
             <a:extLst>
               <a:ext uri="{FF2B5EF4-FFF2-40B4-BE49-F238E27FC236}">
-                <a16:creationId xmlns:a16="http://schemas.microsoft.com/office/drawing/2014/main" id="{00156D1C-9C61-94B9-CEC7-3A5F27778B02}"/>
+                <a16:creationId xmlns:a16="http://schemas.microsoft.com/office/drawing/2014/main" xmlns="" id="{00156D1C-9C61-94B9-CEC7-3A5F27778B02}"/>
               </a:ext>
             </a:extLst>
           </p:cNvPr>
@@ -7897,7 +7897,7 @@
           <p:cNvPr id="9" name="Content Placeholder 8">
             <a:extLst>
               <a:ext uri="{FF2B5EF4-FFF2-40B4-BE49-F238E27FC236}">
-                <a16:creationId xmlns:a16="http://schemas.microsoft.com/office/drawing/2014/main" id="{D48EE215-D973-62C7-2A0F-FEAC73F311F2}"/>
+                <a16:creationId xmlns:a16="http://schemas.microsoft.com/office/drawing/2014/main" xmlns="" id="{D48EE215-D973-62C7-2A0F-FEAC73F311F2}"/>
               </a:ext>
             </a:extLst>
           </p:cNvPr>
@@ -7962,7 +7962,7 @@
           <p:cNvPr id="2" name="Title 1">
             <a:extLst>
               <a:ext uri="{FF2B5EF4-FFF2-40B4-BE49-F238E27FC236}">
-                <a16:creationId xmlns:a16="http://schemas.microsoft.com/office/drawing/2014/main" id="{3502959B-5154-48BD-8654-18AF43D8B6C0}"/>
+                <a16:creationId xmlns:a16="http://schemas.microsoft.com/office/drawing/2014/main" xmlns="" id="{3502959B-5154-48BD-8654-18AF43D8B6C0}"/>
               </a:ext>
             </a:extLst>
           </p:cNvPr>
@@ -7991,7 +7991,7 @@
           <p:cNvPr id="5" name="Content Placeholder 4">
             <a:extLst>
               <a:ext uri="{FF2B5EF4-FFF2-40B4-BE49-F238E27FC236}">
-                <a16:creationId xmlns:a16="http://schemas.microsoft.com/office/drawing/2014/main" id="{57DC0864-F599-4C35-ACEC-C666AE5E2E70}"/>
+                <a16:creationId xmlns:a16="http://schemas.microsoft.com/office/drawing/2014/main" xmlns="" id="{57DC0864-F599-4C35-ACEC-C666AE5E2E70}"/>
               </a:ext>
             </a:extLst>
           </p:cNvPr>
@@ -8056,7 +8056,7 @@
           <p:cNvPr id="2" name="Title 1">
             <a:extLst>
               <a:ext uri="{FF2B5EF4-FFF2-40B4-BE49-F238E27FC236}">
-                <a16:creationId xmlns:a16="http://schemas.microsoft.com/office/drawing/2014/main" id="{EAFEC7FD-328B-49F8-BBDB-DA0609D619ED}"/>
+                <a16:creationId xmlns:a16="http://schemas.microsoft.com/office/drawing/2014/main" xmlns="" id="{EAFEC7FD-328B-49F8-BBDB-DA0609D619ED}"/>
               </a:ext>
             </a:extLst>
           </p:cNvPr>
@@ -8085,7 +8085,7 @@
           <p:cNvPr id="5" name="Content Placeholder 4">
             <a:extLst>
               <a:ext uri="{FF2B5EF4-FFF2-40B4-BE49-F238E27FC236}">
-                <a16:creationId xmlns:a16="http://schemas.microsoft.com/office/drawing/2014/main" id="{5D7C876C-C955-45C3-A01E-293D9E32D8FD}"/>
+                <a16:creationId xmlns:a16="http://schemas.microsoft.com/office/drawing/2014/main" xmlns="" id="{5D7C876C-C955-45C3-A01E-293D9E32D8FD}"/>
               </a:ext>
             </a:extLst>
           </p:cNvPr>
@@ -8311,7 +8311,7 @@
           <p:cNvPr id="2" name="Title 1">
             <a:extLst>
               <a:ext uri="{FF2B5EF4-FFF2-40B4-BE49-F238E27FC236}">
-                <a16:creationId xmlns:a16="http://schemas.microsoft.com/office/drawing/2014/main" id="{BC30F91C-6259-E152-4A57-10AB8A35FD63}"/>
+                <a16:creationId xmlns:a16="http://schemas.microsoft.com/office/drawing/2014/main" xmlns="" id="{BC30F91C-6259-E152-4A57-10AB8A35FD63}"/>
               </a:ext>
             </a:extLst>
           </p:cNvPr>
@@ -8345,7 +8345,7 @@
           <p:cNvPr id="3" name="Content Placeholder 2">
             <a:extLst>
               <a:ext uri="{FF2B5EF4-FFF2-40B4-BE49-F238E27FC236}">
-                <a16:creationId xmlns:a16="http://schemas.microsoft.com/office/drawing/2014/main" id="{B63D700D-69D8-2FFA-29C7-4356EB4AD2BD}"/>
+                <a16:creationId xmlns:a16="http://schemas.microsoft.com/office/drawing/2014/main" xmlns="" id="{B63D700D-69D8-2FFA-29C7-4356EB4AD2BD}"/>
               </a:ext>
             </a:extLst>
           </p:cNvPr>
@@ -8624,6 +8624,14 @@
               </a:rPr>
               <a:t> SOFTWARE SPECIFICATION</a:t>
             </a:r>
+            <a:r>
+              <a:rPr lang="en-US" sz="1800" dirty="0">
+                <a:effectLst/>
+                <a:latin typeface="Times New Roman" panose="02020603050405020304" pitchFamily="18" charset="0"/>
+                <a:ea typeface="Times New Roman" panose="02020603050405020304" pitchFamily="18" charset="0"/>
+              </a:rPr>
+              <a:t/>
+            </a:r>
             <a:br>
               <a:rPr lang="en-US" sz="1800" dirty="0">
                 <a:effectLst/>
@@ -8767,6 +8775,14 @@
               </a:spcAft>
               <a:buNone/>
             </a:pPr>
+            <a:r>
+              <a:rPr lang="en-US" sz="1800" b="1" dirty="0">
+                <a:effectLst/>
+                <a:latin typeface="Times New Roman" panose="02020603050405020304" pitchFamily="18" charset="0"/>
+                <a:ea typeface="Calibri" panose="020F0502020204030204" pitchFamily="34" charset="0"/>
+              </a:rPr>
+              <a:t/>
+            </a:r>
             <a:br>
               <a:rPr lang="en-US" sz="1800" b="1" dirty="0">
                 <a:effectLst/>
@@ -9575,7 +9591,7 @@
   <a:extraClrSchemeLst/>
   <a:extLst>
     <a:ext uri="{05A4C25C-085E-4340-85A3-A5531E510DB2}">
-      <thm15:themeFamily xmlns:thm15="http://schemas.microsoft.com/office/thememl/2012/main" name="Office Theme" id="{62F939B6-93AF-4DB8-9C6B-D6C7DFDC589F}" vid="{4A3C46E8-61CC-4603-A589-7422A47A8E4A}"/>
+      <thm15:themeFamily xmlns:thm15="http://schemas.microsoft.com/office/thememl/2012/main" xmlns="" name="Office Theme" id="{62F939B6-93AF-4DB8-9C6B-D6C7DFDC589F}" vid="{4A3C46E8-61CC-4603-A589-7422A47A8E4A}"/>
     </a:ext>
   </a:extLst>
 </a:theme>
